--- a/diagram1.pptx
+++ b/diagram1.pptx
@@ -6,6 +6,7 @@
   </p:sldMasterIdLst>
   <p:sldIdLst>
     <p:sldId id="265" r:id="rId2"/>
+    <p:sldId id="266" r:id="rId3"/>
   </p:sldIdLst>
   <p:sldSz cx="6858000" cy="3657600"/>
   <p:notesSz cx="6858000" cy="9144000"/>
@@ -104,6 +105,11 @@
       </a:defRPr>
     </a:lvl9pPr>
   </p:defaultTextStyle>
+  <p:extLst>
+    <p:ext uri="{EFAFB233-063F-42B5-8137-9DF3F51BA10A}">
+      <p15:sldGuideLst xmlns:p15="http://schemas.microsoft.com/office/powerpoint/2012/main"/>
+    </p:ext>
+  </p:extLst>
 </p:presentation>
 </file>
 
@@ -238,7 +244,7 @@
           <a:p>
             <a:fld id="{0C6585A3-0A79-F342-B48E-E40A6F8B0FEC}" type="datetimeFigureOut">
               <a:rPr kumimoji="1" lang="ko-Kore-US" altLang="en-US" smtClean="0"/>
-              <a:t>8/22/22</a:t>
+              <a:t>8/30/22</a:t>
             </a:fld>
             <a:endParaRPr kumimoji="1" lang="ko-Kore-US" altLang="en-US"/>
           </a:p>
@@ -408,7 +414,7 @@
           <a:p>
             <a:fld id="{0C6585A3-0A79-F342-B48E-E40A6F8B0FEC}" type="datetimeFigureOut">
               <a:rPr kumimoji="1" lang="ko-Kore-US" altLang="en-US" smtClean="0"/>
-              <a:t>8/22/22</a:t>
+              <a:t>8/30/22</a:t>
             </a:fld>
             <a:endParaRPr kumimoji="1" lang="ko-Kore-US" altLang="en-US"/>
           </a:p>
@@ -588,7 +594,7 @@
           <a:p>
             <a:fld id="{0C6585A3-0A79-F342-B48E-E40A6F8B0FEC}" type="datetimeFigureOut">
               <a:rPr kumimoji="1" lang="ko-Kore-US" altLang="en-US" smtClean="0"/>
-              <a:t>8/22/22</a:t>
+              <a:t>8/30/22</a:t>
             </a:fld>
             <a:endParaRPr kumimoji="1" lang="ko-Kore-US" altLang="en-US"/>
           </a:p>
@@ -758,7 +764,7 @@
           <a:p>
             <a:fld id="{0C6585A3-0A79-F342-B48E-E40A6F8B0FEC}" type="datetimeFigureOut">
               <a:rPr kumimoji="1" lang="ko-Kore-US" altLang="en-US" smtClean="0"/>
-              <a:t>8/22/22</a:t>
+              <a:t>8/30/22</a:t>
             </a:fld>
             <a:endParaRPr kumimoji="1" lang="ko-Kore-US" altLang="en-US"/>
           </a:p>
@@ -1004,7 +1010,7 @@
           <a:p>
             <a:fld id="{0C6585A3-0A79-F342-B48E-E40A6F8B0FEC}" type="datetimeFigureOut">
               <a:rPr kumimoji="1" lang="ko-Kore-US" altLang="en-US" smtClean="0"/>
-              <a:t>8/22/22</a:t>
+              <a:t>8/30/22</a:t>
             </a:fld>
             <a:endParaRPr kumimoji="1" lang="ko-Kore-US" altLang="en-US"/>
           </a:p>
@@ -1236,7 +1242,7 @@
           <a:p>
             <a:fld id="{0C6585A3-0A79-F342-B48E-E40A6F8B0FEC}" type="datetimeFigureOut">
               <a:rPr kumimoji="1" lang="ko-Kore-US" altLang="en-US" smtClean="0"/>
-              <a:t>8/22/22</a:t>
+              <a:t>8/30/22</a:t>
             </a:fld>
             <a:endParaRPr kumimoji="1" lang="ko-Kore-US" altLang="en-US"/>
           </a:p>
@@ -1603,7 +1609,7 @@
           <a:p>
             <a:fld id="{0C6585A3-0A79-F342-B48E-E40A6F8B0FEC}" type="datetimeFigureOut">
               <a:rPr kumimoji="1" lang="ko-Kore-US" altLang="en-US" smtClean="0"/>
-              <a:t>8/22/22</a:t>
+              <a:t>8/30/22</a:t>
             </a:fld>
             <a:endParaRPr kumimoji="1" lang="ko-Kore-US" altLang="en-US"/>
           </a:p>
@@ -1721,7 +1727,7 @@
           <a:p>
             <a:fld id="{0C6585A3-0A79-F342-B48E-E40A6F8B0FEC}" type="datetimeFigureOut">
               <a:rPr kumimoji="1" lang="ko-Kore-US" altLang="en-US" smtClean="0"/>
-              <a:t>8/22/22</a:t>
+              <a:t>8/30/22</a:t>
             </a:fld>
             <a:endParaRPr kumimoji="1" lang="ko-Kore-US" altLang="en-US"/>
           </a:p>
@@ -1816,7 +1822,7 @@
           <a:p>
             <a:fld id="{0C6585A3-0A79-F342-B48E-E40A6F8B0FEC}" type="datetimeFigureOut">
               <a:rPr kumimoji="1" lang="ko-Kore-US" altLang="en-US" smtClean="0"/>
-              <a:t>8/22/22</a:t>
+              <a:t>8/30/22</a:t>
             </a:fld>
             <a:endParaRPr kumimoji="1" lang="ko-Kore-US" altLang="en-US"/>
           </a:p>
@@ -2093,7 +2099,7 @@
           <a:p>
             <a:fld id="{0C6585A3-0A79-F342-B48E-E40A6F8B0FEC}" type="datetimeFigureOut">
               <a:rPr kumimoji="1" lang="ko-Kore-US" altLang="en-US" smtClean="0"/>
-              <a:t>8/22/22</a:t>
+              <a:t>8/30/22</a:t>
             </a:fld>
             <a:endParaRPr kumimoji="1" lang="ko-Kore-US" altLang="en-US"/>
           </a:p>
@@ -2350,7 +2356,7 @@
           <a:p>
             <a:fld id="{0C6585A3-0A79-F342-B48E-E40A6F8B0FEC}" type="datetimeFigureOut">
               <a:rPr kumimoji="1" lang="ko-Kore-US" altLang="en-US" smtClean="0"/>
-              <a:t>8/22/22</a:t>
+              <a:t>8/30/22</a:t>
             </a:fld>
             <a:endParaRPr kumimoji="1" lang="ko-Kore-US" altLang="en-US"/>
           </a:p>
@@ -2563,7 +2569,7 @@
           <a:p>
             <a:fld id="{0C6585A3-0A79-F342-B48E-E40A6F8B0FEC}" type="datetimeFigureOut">
               <a:rPr kumimoji="1" lang="ko-Kore-US" altLang="en-US" smtClean="0"/>
-              <a:t>8/22/22</a:t>
+              <a:t>8/30/22</a:t>
             </a:fld>
             <a:endParaRPr kumimoji="1" lang="ko-Kore-US" altLang="en-US"/>
           </a:p>
@@ -3338,8 +3344,8 @@
                 </p:style>
               </p:cxnSp>
             </p:grpSp>
-            <mc:AlternateContent xmlns:mc="http://schemas.openxmlformats.org/markup-compatibility/2006">
-              <mc:Choice xmlns:a14="http://schemas.microsoft.com/office/drawing/2010/main" Requires="a14">
+            <mc:AlternateContent xmlns:mc="http://schemas.openxmlformats.org/markup-compatibility/2006" xmlns:a14="http://schemas.microsoft.com/office/drawing/2010/main">
+              <mc:Choice Requires="a14">
                 <p:sp>
                   <p:nvSpPr>
                     <p:cNvPr id="42" name="TextBox 41">
@@ -3421,7 +3427,7 @@
                   </p:txBody>
                 </p:sp>
               </mc:Choice>
-              <mc:Fallback>
+              <mc:Fallback xmlns="">
                 <p:sp>
                   <p:nvSpPr>
                     <p:cNvPr id="42" name="TextBox 41">
@@ -3638,8 +3644,8 @@
                 </a:fontRef>
               </p:style>
             </p:cxnSp>
-            <mc:AlternateContent xmlns:mc="http://schemas.openxmlformats.org/markup-compatibility/2006">
-              <mc:Choice xmlns:a14="http://schemas.microsoft.com/office/drawing/2010/main" Requires="a14">
+            <mc:AlternateContent xmlns:mc="http://schemas.openxmlformats.org/markup-compatibility/2006" xmlns:a14="http://schemas.microsoft.com/office/drawing/2010/main">
+              <mc:Choice Requires="a14">
                 <p:sp>
                   <p:nvSpPr>
                     <p:cNvPr id="52" name="TextBox 51">
@@ -3717,7 +3723,7 @@
                   </p:txBody>
                 </p:sp>
               </mc:Choice>
-              <mc:Fallback>
+              <mc:Fallback xmlns="">
                 <p:sp>
                   <p:nvSpPr>
                     <p:cNvPr id="52" name="TextBox 51">
@@ -3798,8 +3804,8 @@
                 </a:prstGeom>
               </p:spPr>
             </p:pic>
-            <mc:AlternateContent xmlns:mc="http://schemas.openxmlformats.org/markup-compatibility/2006">
-              <mc:Choice xmlns:a14="http://schemas.microsoft.com/office/drawing/2010/main" Requires="a14">
+            <mc:AlternateContent xmlns:mc="http://schemas.openxmlformats.org/markup-compatibility/2006" xmlns:a14="http://schemas.microsoft.com/office/drawing/2010/main">
+              <mc:Choice Requires="a14">
                 <p:sp>
                   <p:nvSpPr>
                     <p:cNvPr id="56" name="TextBox 55">
@@ -3881,7 +3887,7 @@
                   </p:txBody>
                 </p:sp>
               </mc:Choice>
-              <mc:Fallback>
+              <mc:Fallback xmlns="">
                 <p:sp>
                   <p:nvSpPr>
                     <p:cNvPr id="56" name="TextBox 55">
@@ -4006,8 +4012,8 @@
                 </a:p>
               </p:txBody>
             </p:sp>
-            <mc:AlternateContent xmlns:mc="http://schemas.openxmlformats.org/markup-compatibility/2006">
-              <mc:Choice xmlns:a14="http://schemas.microsoft.com/office/drawing/2010/main" Requires="a14">
+            <mc:AlternateContent xmlns:mc="http://schemas.openxmlformats.org/markup-compatibility/2006" xmlns:a14="http://schemas.microsoft.com/office/drawing/2010/main">
+              <mc:Choice Requires="a14">
                 <p:sp>
                   <p:nvSpPr>
                     <p:cNvPr id="89" name="TextBox 88">
@@ -4075,7 +4081,7 @@
                   </p:txBody>
                 </p:sp>
               </mc:Choice>
-              <mc:Fallback>
+              <mc:Fallback xmlns="">
                 <p:sp>
                   <p:nvSpPr>
                     <p:cNvPr id="89" name="TextBox 88">
@@ -4539,8 +4545,8 @@
                 </a:fontRef>
               </p:style>
             </p:cxnSp>
-            <mc:AlternateContent xmlns:mc="http://schemas.openxmlformats.org/markup-compatibility/2006">
-              <mc:Choice xmlns:a14="http://schemas.microsoft.com/office/drawing/2010/main" Requires="a14">
+            <mc:AlternateContent xmlns:mc="http://schemas.openxmlformats.org/markup-compatibility/2006" xmlns:a14="http://schemas.microsoft.com/office/drawing/2010/main">
+              <mc:Choice Requires="a14">
                 <p:sp>
                   <p:nvSpPr>
                     <p:cNvPr id="115" name="TextBox 114">
@@ -4606,7 +4612,7 @@
                   </p:txBody>
                 </p:sp>
               </mc:Choice>
-              <mc:Fallback>
+              <mc:Fallback xmlns="">
                 <p:sp>
                   <p:nvSpPr>
                     <p:cNvPr id="115" name="TextBox 114">
@@ -5166,6 +5172,2546 @@
 </p:sld>
 </file>
 
+<file path=ppt/slides/slide2.xml><?xml version="1.0" encoding="utf-8"?>
+<p:sld xmlns:a="http://schemas.openxmlformats.org/drawingml/2006/main" xmlns:r="http://schemas.openxmlformats.org/officeDocument/2006/relationships" xmlns:p="http://schemas.openxmlformats.org/presentationml/2006/main">
+  <p:cSld>
+    <p:spTree>
+      <p:nvGrpSpPr>
+        <p:cNvPr id="1" name=""/>
+        <p:cNvGrpSpPr/>
+        <p:nvPr/>
+      </p:nvGrpSpPr>
+      <p:grpSpPr>
+        <a:xfrm>
+          <a:off x="0" y="0"/>
+          <a:ext cx="0" cy="0"/>
+          <a:chOff x="0" y="0"/>
+          <a:chExt cx="0" cy="0"/>
+        </a:xfrm>
+      </p:grpSpPr>
+      <p:grpSp>
+        <p:nvGrpSpPr>
+          <p:cNvPr id="110" name="그룹 109">
+            <a:extLst>
+              <a:ext uri="{FF2B5EF4-FFF2-40B4-BE49-F238E27FC236}">
+                <a16:creationId xmlns:a16="http://schemas.microsoft.com/office/drawing/2014/main" id="{89678CE8-C895-222A-A618-7CF3864C56FA}"/>
+              </a:ext>
+            </a:extLst>
+          </p:cNvPr>
+          <p:cNvGrpSpPr/>
+          <p:nvPr/>
+        </p:nvGrpSpPr>
+        <p:grpSpPr>
+          <a:xfrm>
+            <a:off x="1409065" y="466230"/>
+            <a:ext cx="4039870" cy="2725140"/>
+            <a:chOff x="2494271" y="1489646"/>
+            <a:chExt cx="6749297" cy="4552815"/>
+          </a:xfrm>
+        </p:grpSpPr>
+        <p:grpSp>
+          <p:nvGrpSpPr>
+            <p:cNvPr id="111" name="그룹 110">
+              <a:extLst>
+                <a:ext uri="{FF2B5EF4-FFF2-40B4-BE49-F238E27FC236}">
+                  <a16:creationId xmlns:a16="http://schemas.microsoft.com/office/drawing/2014/main" id="{F20464C2-2E4B-9CEB-0F34-F60CF876C1A8}"/>
+                </a:ext>
+              </a:extLst>
+            </p:cNvPr>
+            <p:cNvGrpSpPr/>
+            <p:nvPr/>
+          </p:nvGrpSpPr>
+          <p:grpSpPr>
+            <a:xfrm>
+              <a:off x="2636327" y="3000267"/>
+              <a:ext cx="6607241" cy="3042194"/>
+              <a:chOff x="2532809" y="2016856"/>
+              <a:chExt cx="6607241" cy="3042194"/>
+            </a:xfrm>
+          </p:grpSpPr>
+          <p:grpSp>
+            <p:nvGrpSpPr>
+              <p:cNvPr id="119" name="그룹 118">
+                <a:extLst>
+                  <a:ext uri="{FF2B5EF4-FFF2-40B4-BE49-F238E27FC236}">
+                    <a16:creationId xmlns:a16="http://schemas.microsoft.com/office/drawing/2014/main" id="{E842E3C2-DF3A-C993-68A0-3C3645D06F58}"/>
+                  </a:ext>
+                </a:extLst>
+              </p:cNvPr>
+              <p:cNvGrpSpPr/>
+              <p:nvPr/>
+            </p:nvGrpSpPr>
+            <p:grpSpPr>
+              <a:xfrm>
+                <a:off x="2532809" y="2618180"/>
+                <a:ext cx="6607241" cy="2440870"/>
+                <a:chOff x="896646" y="2602792"/>
+                <a:chExt cx="10395873" cy="3840480"/>
+              </a:xfrm>
+            </p:grpSpPr>
+            <p:pic>
+              <p:nvPicPr>
+                <p:cNvPr id="130" name="Picture 111">
+                  <a:extLst>
+                    <a:ext uri="{FF2B5EF4-FFF2-40B4-BE49-F238E27FC236}">
+                      <a16:creationId xmlns:a16="http://schemas.microsoft.com/office/drawing/2014/main" id="{D096BA4F-1746-DF29-6E4F-F818012AB907}"/>
+                    </a:ext>
+                  </a:extLst>
+                </p:cNvPr>
+                <p:cNvPicPr>
+                  <a:picLocks noChangeAspect="1"/>
+                </p:cNvPicPr>
+                <p:nvPr/>
+              </p:nvPicPr>
+              <p:blipFill rotWithShape="1">
+                <a:blip r:embed="rId2"/>
+                <a:srcRect b="29479"/>
+                <a:stretch/>
+              </p:blipFill>
+              <p:spPr>
+                <a:xfrm>
+                  <a:off x="896646" y="2602792"/>
+                  <a:ext cx="10395873" cy="3840480"/>
+                </a:xfrm>
+                <a:prstGeom prst="rect">
+                  <a:avLst/>
+                </a:prstGeom>
+              </p:spPr>
+            </p:pic>
+            <p:grpSp>
+              <p:nvGrpSpPr>
+                <p:cNvPr id="131" name="그룹 130">
+                  <a:extLst>
+                    <a:ext uri="{FF2B5EF4-FFF2-40B4-BE49-F238E27FC236}">
+                      <a16:creationId xmlns:a16="http://schemas.microsoft.com/office/drawing/2014/main" id="{224A41A4-75D8-A6CD-2D1F-A0B98BF8660D}"/>
+                    </a:ext>
+                  </a:extLst>
+                </p:cNvPr>
+                <p:cNvGrpSpPr/>
+                <p:nvPr/>
+              </p:nvGrpSpPr>
+              <p:grpSpPr>
+                <a:xfrm>
+                  <a:off x="942674" y="2688207"/>
+                  <a:ext cx="7153751" cy="1616374"/>
+                  <a:chOff x="942674" y="2688207"/>
+                  <a:chExt cx="7153751" cy="1616374"/>
+                </a:xfrm>
+                <a:solidFill>
+                  <a:schemeClr val="bg1">
+                    <a:alpha val="9804"/>
+                  </a:schemeClr>
+                </a:solidFill>
+              </p:grpSpPr>
+              <p:sp>
+                <p:nvSpPr>
+                  <p:cNvPr id="132" name="평행 사변형[P] 131">
+                    <a:extLst>
+                      <a:ext uri="{FF2B5EF4-FFF2-40B4-BE49-F238E27FC236}">
+                        <a16:creationId xmlns:a16="http://schemas.microsoft.com/office/drawing/2014/main" id="{460AA390-D904-357B-279D-EC76C6C8FA7C}"/>
+                      </a:ext>
+                    </a:extLst>
+                  </p:cNvPr>
+                  <p:cNvSpPr/>
+                  <p:nvPr/>
+                </p:nvSpPr>
+                <p:spPr>
+                  <a:xfrm>
+                    <a:off x="1295229" y="3502325"/>
+                    <a:ext cx="448573" cy="802256"/>
+                  </a:xfrm>
+                  <a:prstGeom prst="parallelogram">
+                    <a:avLst>
+                      <a:gd name="adj" fmla="val 59615"/>
+                    </a:avLst>
+                  </a:prstGeom>
+                  <a:grpFill/>
+                  <a:ln>
+                    <a:noFill/>
+                  </a:ln>
+                </p:spPr>
+                <p:style>
+                  <a:lnRef idx="2">
+                    <a:schemeClr val="accent1">
+                      <a:shade val="50000"/>
+                    </a:schemeClr>
+                  </a:lnRef>
+                  <a:fillRef idx="1">
+                    <a:schemeClr val="accent1"/>
+                  </a:fillRef>
+                  <a:effectRef idx="0">
+                    <a:schemeClr val="accent1"/>
+                  </a:effectRef>
+                  <a:fontRef idx="minor">
+                    <a:schemeClr val="lt1"/>
+                  </a:fontRef>
+                </p:style>
+                <p:txBody>
+                  <a:bodyPr rtlCol="0" anchor="ctr"/>
+                  <a:lstStyle/>
+                  <a:p>
+                    <a:pPr algn="ctr"/>
+                    <a:endParaRPr kumimoji="1" lang="ko-Kore-US" altLang="en-US"/>
+                  </a:p>
+                </p:txBody>
+              </p:sp>
+              <p:sp>
+                <p:nvSpPr>
+                  <p:cNvPr id="133" name="평행 사변형[P] 132">
+                    <a:extLst>
+                      <a:ext uri="{FF2B5EF4-FFF2-40B4-BE49-F238E27FC236}">
+                        <a16:creationId xmlns:a16="http://schemas.microsoft.com/office/drawing/2014/main" id="{9DCAF7E6-BEE6-D1EC-464A-642844296F49}"/>
+                      </a:ext>
+                    </a:extLst>
+                  </p:cNvPr>
+                  <p:cNvSpPr/>
+                  <p:nvPr/>
+                </p:nvSpPr>
+                <p:spPr>
+                  <a:xfrm>
+                    <a:off x="1647784" y="3502325"/>
+                    <a:ext cx="448573" cy="802256"/>
+                  </a:xfrm>
+                  <a:prstGeom prst="parallelogram">
+                    <a:avLst>
+                      <a:gd name="adj" fmla="val 59615"/>
+                    </a:avLst>
+                  </a:prstGeom>
+                  <a:grpFill/>
+                  <a:ln>
+                    <a:noFill/>
+                  </a:ln>
+                </p:spPr>
+                <p:style>
+                  <a:lnRef idx="2">
+                    <a:schemeClr val="accent1">
+                      <a:shade val="50000"/>
+                    </a:schemeClr>
+                  </a:lnRef>
+                  <a:fillRef idx="1">
+                    <a:schemeClr val="accent1"/>
+                  </a:fillRef>
+                  <a:effectRef idx="0">
+                    <a:schemeClr val="accent1"/>
+                  </a:effectRef>
+                  <a:fontRef idx="minor">
+                    <a:schemeClr val="lt1"/>
+                  </a:fontRef>
+                </p:style>
+                <p:txBody>
+                  <a:bodyPr rtlCol="0" anchor="ctr"/>
+                  <a:lstStyle/>
+                  <a:p>
+                    <a:pPr algn="ctr"/>
+                    <a:endParaRPr kumimoji="1" lang="ko-Kore-US" altLang="en-US"/>
+                  </a:p>
+                </p:txBody>
+              </p:sp>
+              <p:sp>
+                <p:nvSpPr>
+                  <p:cNvPr id="134" name="평행 사변형[P] 133">
+                    <a:extLst>
+                      <a:ext uri="{FF2B5EF4-FFF2-40B4-BE49-F238E27FC236}">
+                        <a16:creationId xmlns:a16="http://schemas.microsoft.com/office/drawing/2014/main" id="{69D4558C-A540-D3EC-52FA-BA55192FA8CF}"/>
+                      </a:ext>
+                    </a:extLst>
+                  </p:cNvPr>
+                  <p:cNvSpPr/>
+                  <p:nvPr/>
+                </p:nvSpPr>
+                <p:spPr>
+                  <a:xfrm>
+                    <a:off x="2347861" y="3502325"/>
+                    <a:ext cx="448573" cy="802256"/>
+                  </a:xfrm>
+                  <a:prstGeom prst="parallelogram">
+                    <a:avLst>
+                      <a:gd name="adj" fmla="val 59615"/>
+                    </a:avLst>
+                  </a:prstGeom>
+                  <a:grpFill/>
+                  <a:ln>
+                    <a:noFill/>
+                  </a:ln>
+                </p:spPr>
+                <p:style>
+                  <a:lnRef idx="2">
+                    <a:schemeClr val="accent1">
+                      <a:shade val="50000"/>
+                    </a:schemeClr>
+                  </a:lnRef>
+                  <a:fillRef idx="1">
+                    <a:schemeClr val="accent1"/>
+                  </a:fillRef>
+                  <a:effectRef idx="0">
+                    <a:schemeClr val="accent1"/>
+                  </a:effectRef>
+                  <a:fontRef idx="minor">
+                    <a:schemeClr val="lt1"/>
+                  </a:fontRef>
+                </p:style>
+                <p:txBody>
+                  <a:bodyPr rtlCol="0" anchor="ctr"/>
+                  <a:lstStyle/>
+                  <a:p>
+                    <a:pPr algn="ctr"/>
+                    <a:endParaRPr kumimoji="1" lang="ko-Kore-US" altLang="en-US"/>
+                  </a:p>
+                </p:txBody>
+              </p:sp>
+              <p:sp>
+                <p:nvSpPr>
+                  <p:cNvPr id="135" name="평행 사변형[P] 134">
+                    <a:extLst>
+                      <a:ext uri="{FF2B5EF4-FFF2-40B4-BE49-F238E27FC236}">
+                        <a16:creationId xmlns:a16="http://schemas.microsoft.com/office/drawing/2014/main" id="{AB30F6A4-260B-AFDE-EDB5-C06B1725CC12}"/>
+                      </a:ext>
+                    </a:extLst>
+                  </p:cNvPr>
+                  <p:cNvSpPr/>
+                  <p:nvPr/>
+                </p:nvSpPr>
+                <p:spPr>
+                  <a:xfrm>
+                    <a:off x="1995306" y="3502325"/>
+                    <a:ext cx="448573" cy="802256"/>
+                  </a:xfrm>
+                  <a:prstGeom prst="parallelogram">
+                    <a:avLst>
+                      <a:gd name="adj" fmla="val 59615"/>
+                    </a:avLst>
+                  </a:prstGeom>
+                  <a:grpFill/>
+                  <a:ln>
+                    <a:noFill/>
+                  </a:ln>
+                </p:spPr>
+                <p:style>
+                  <a:lnRef idx="2">
+                    <a:schemeClr val="accent1">
+                      <a:shade val="50000"/>
+                    </a:schemeClr>
+                  </a:lnRef>
+                  <a:fillRef idx="1">
+                    <a:schemeClr val="accent1"/>
+                  </a:fillRef>
+                  <a:effectRef idx="0">
+                    <a:schemeClr val="accent1"/>
+                  </a:effectRef>
+                  <a:fontRef idx="minor">
+                    <a:schemeClr val="lt1"/>
+                  </a:fontRef>
+                </p:style>
+                <p:txBody>
+                  <a:bodyPr rtlCol="0" anchor="ctr"/>
+                  <a:lstStyle/>
+                  <a:p>
+                    <a:pPr algn="ctr"/>
+                    <a:endParaRPr kumimoji="1" lang="ko-Kore-US" altLang="en-US" b="1" dirty="0"/>
+                  </a:p>
+                </p:txBody>
+              </p:sp>
+              <p:sp>
+                <p:nvSpPr>
+                  <p:cNvPr id="136" name="평행 사변형[P] 135">
+                    <a:extLst>
+                      <a:ext uri="{FF2B5EF4-FFF2-40B4-BE49-F238E27FC236}">
+                        <a16:creationId xmlns:a16="http://schemas.microsoft.com/office/drawing/2014/main" id="{398979DE-CB43-E080-72F7-719DAA758C64}"/>
+                      </a:ext>
+                    </a:extLst>
+                  </p:cNvPr>
+                  <p:cNvSpPr/>
+                  <p:nvPr/>
+                </p:nvSpPr>
+                <p:spPr>
+                  <a:xfrm>
+                    <a:off x="2700416" y="3502325"/>
+                    <a:ext cx="448573" cy="802256"/>
+                  </a:xfrm>
+                  <a:prstGeom prst="parallelogram">
+                    <a:avLst>
+                      <a:gd name="adj" fmla="val 59615"/>
+                    </a:avLst>
+                  </a:prstGeom>
+                  <a:grpFill/>
+                  <a:ln>
+                    <a:noFill/>
+                  </a:ln>
+                </p:spPr>
+                <p:style>
+                  <a:lnRef idx="2">
+                    <a:schemeClr val="accent1">
+                      <a:shade val="50000"/>
+                    </a:schemeClr>
+                  </a:lnRef>
+                  <a:fillRef idx="1">
+                    <a:schemeClr val="accent1"/>
+                  </a:fillRef>
+                  <a:effectRef idx="0">
+                    <a:schemeClr val="accent1"/>
+                  </a:effectRef>
+                  <a:fontRef idx="minor">
+                    <a:schemeClr val="lt1"/>
+                  </a:fontRef>
+                </p:style>
+                <p:txBody>
+                  <a:bodyPr rtlCol="0" anchor="ctr"/>
+                  <a:lstStyle/>
+                  <a:p>
+                    <a:pPr algn="ctr"/>
+                    <a:endParaRPr kumimoji="1" lang="ko-Kore-US" altLang="en-US"/>
+                  </a:p>
+                </p:txBody>
+              </p:sp>
+              <p:sp>
+                <p:nvSpPr>
+                  <p:cNvPr id="137" name="평행 사변형[P] 136">
+                    <a:extLst>
+                      <a:ext uri="{FF2B5EF4-FFF2-40B4-BE49-F238E27FC236}">
+                        <a16:creationId xmlns:a16="http://schemas.microsoft.com/office/drawing/2014/main" id="{173A870D-66AC-0F9D-EB69-DD93CBAC64B3}"/>
+                      </a:ext>
+                    </a:extLst>
+                  </p:cNvPr>
+                  <p:cNvSpPr/>
+                  <p:nvPr/>
+                </p:nvSpPr>
+                <p:spPr>
+                  <a:xfrm>
+                    <a:off x="3052971" y="3502325"/>
+                    <a:ext cx="448573" cy="802256"/>
+                  </a:xfrm>
+                  <a:prstGeom prst="parallelogram">
+                    <a:avLst>
+                      <a:gd name="adj" fmla="val 59615"/>
+                    </a:avLst>
+                  </a:prstGeom>
+                  <a:grpFill/>
+                  <a:ln>
+                    <a:noFill/>
+                  </a:ln>
+                </p:spPr>
+                <p:style>
+                  <a:lnRef idx="2">
+                    <a:schemeClr val="accent1">
+                      <a:shade val="50000"/>
+                    </a:schemeClr>
+                  </a:lnRef>
+                  <a:fillRef idx="1">
+                    <a:schemeClr val="accent1"/>
+                  </a:fillRef>
+                  <a:effectRef idx="0">
+                    <a:schemeClr val="accent1"/>
+                  </a:effectRef>
+                  <a:fontRef idx="minor">
+                    <a:schemeClr val="lt1"/>
+                  </a:fontRef>
+                </p:style>
+                <p:txBody>
+                  <a:bodyPr rtlCol="0" anchor="ctr"/>
+                  <a:lstStyle/>
+                  <a:p>
+                    <a:pPr algn="ctr"/>
+                    <a:endParaRPr kumimoji="1" lang="ko-Kore-US" altLang="en-US" b="1" dirty="0"/>
+                  </a:p>
+                </p:txBody>
+              </p:sp>
+              <p:sp>
+                <p:nvSpPr>
+                  <p:cNvPr id="138" name="평행 사변형[P] 137">
+                    <a:extLst>
+                      <a:ext uri="{FF2B5EF4-FFF2-40B4-BE49-F238E27FC236}">
+                        <a16:creationId xmlns:a16="http://schemas.microsoft.com/office/drawing/2014/main" id="{69803386-4D1D-0716-F3EA-70D20C1AAC25}"/>
+                      </a:ext>
+                    </a:extLst>
+                  </p:cNvPr>
+                  <p:cNvSpPr/>
+                  <p:nvPr/>
+                </p:nvSpPr>
+                <p:spPr>
+                  <a:xfrm>
+                    <a:off x="6219734" y="3502325"/>
+                    <a:ext cx="448573" cy="802256"/>
+                  </a:xfrm>
+                  <a:prstGeom prst="parallelogram">
+                    <a:avLst>
+                      <a:gd name="adj" fmla="val 59615"/>
+                    </a:avLst>
+                  </a:prstGeom>
+                  <a:grpFill/>
+                  <a:ln>
+                    <a:noFill/>
+                  </a:ln>
+                </p:spPr>
+                <p:style>
+                  <a:lnRef idx="2">
+                    <a:schemeClr val="accent1">
+                      <a:shade val="50000"/>
+                    </a:schemeClr>
+                  </a:lnRef>
+                  <a:fillRef idx="1">
+                    <a:schemeClr val="accent1"/>
+                  </a:fillRef>
+                  <a:effectRef idx="0">
+                    <a:schemeClr val="accent1"/>
+                  </a:effectRef>
+                  <a:fontRef idx="minor">
+                    <a:schemeClr val="lt1"/>
+                  </a:fontRef>
+                </p:style>
+                <p:txBody>
+                  <a:bodyPr rtlCol="0" anchor="ctr"/>
+                  <a:lstStyle/>
+                  <a:p>
+                    <a:pPr algn="ctr"/>
+                    <a:endParaRPr kumimoji="1" lang="ko-Kore-US" altLang="en-US" b="1" dirty="0"/>
+                  </a:p>
+                </p:txBody>
+              </p:sp>
+              <p:sp>
+                <p:nvSpPr>
+                  <p:cNvPr id="139" name="평행 사변형[P] 138">
+                    <a:extLst>
+                      <a:ext uri="{FF2B5EF4-FFF2-40B4-BE49-F238E27FC236}">
+                        <a16:creationId xmlns:a16="http://schemas.microsoft.com/office/drawing/2014/main" id="{1058F7BA-AF29-0960-2797-D42AAFD60910}"/>
+                      </a:ext>
+                    </a:extLst>
+                  </p:cNvPr>
+                  <p:cNvSpPr/>
+                  <p:nvPr/>
+                </p:nvSpPr>
+                <p:spPr>
+                  <a:xfrm>
+                    <a:off x="5870295" y="3502325"/>
+                    <a:ext cx="448573" cy="802256"/>
+                  </a:xfrm>
+                  <a:prstGeom prst="parallelogram">
+                    <a:avLst>
+                      <a:gd name="adj" fmla="val 59615"/>
+                    </a:avLst>
+                  </a:prstGeom>
+                  <a:grpFill/>
+                  <a:ln>
+                    <a:noFill/>
+                  </a:ln>
+                </p:spPr>
+                <p:style>
+                  <a:lnRef idx="2">
+                    <a:schemeClr val="accent1">
+                      <a:shade val="50000"/>
+                    </a:schemeClr>
+                  </a:lnRef>
+                  <a:fillRef idx="1">
+                    <a:schemeClr val="accent1"/>
+                  </a:fillRef>
+                  <a:effectRef idx="0">
+                    <a:schemeClr val="accent1"/>
+                  </a:effectRef>
+                  <a:fontRef idx="minor">
+                    <a:schemeClr val="lt1"/>
+                  </a:fontRef>
+                </p:style>
+                <p:txBody>
+                  <a:bodyPr rtlCol="0" anchor="ctr"/>
+                  <a:lstStyle/>
+                  <a:p>
+                    <a:pPr algn="ctr"/>
+                    <a:endParaRPr kumimoji="1" lang="ko-Kore-US" altLang="en-US" b="1" dirty="0"/>
+                  </a:p>
+                </p:txBody>
+              </p:sp>
+              <p:sp>
+                <p:nvSpPr>
+                  <p:cNvPr id="140" name="평행 사변형[P] 139">
+                    <a:extLst>
+                      <a:ext uri="{FF2B5EF4-FFF2-40B4-BE49-F238E27FC236}">
+                        <a16:creationId xmlns:a16="http://schemas.microsoft.com/office/drawing/2014/main" id="{40343E6F-1C59-1C45-CDA4-DFB4E21BC3D3}"/>
+                      </a:ext>
+                    </a:extLst>
+                  </p:cNvPr>
+                  <p:cNvSpPr/>
+                  <p:nvPr/>
+                </p:nvSpPr>
+                <p:spPr>
+                  <a:xfrm>
+                    <a:off x="5520856" y="3502325"/>
+                    <a:ext cx="448573" cy="802256"/>
+                  </a:xfrm>
+                  <a:prstGeom prst="parallelogram">
+                    <a:avLst>
+                      <a:gd name="adj" fmla="val 59615"/>
+                    </a:avLst>
+                  </a:prstGeom>
+                  <a:grpFill/>
+                  <a:ln>
+                    <a:noFill/>
+                  </a:ln>
+                </p:spPr>
+                <p:style>
+                  <a:lnRef idx="2">
+                    <a:schemeClr val="accent1">
+                      <a:shade val="50000"/>
+                    </a:schemeClr>
+                  </a:lnRef>
+                  <a:fillRef idx="1">
+                    <a:schemeClr val="accent1"/>
+                  </a:fillRef>
+                  <a:effectRef idx="0">
+                    <a:schemeClr val="accent1"/>
+                  </a:effectRef>
+                  <a:fontRef idx="minor">
+                    <a:schemeClr val="lt1"/>
+                  </a:fontRef>
+                </p:style>
+                <p:txBody>
+                  <a:bodyPr rtlCol="0" anchor="ctr"/>
+                  <a:lstStyle/>
+                  <a:p>
+                    <a:pPr algn="ctr"/>
+                    <a:endParaRPr kumimoji="1" lang="ko-Kore-US" altLang="en-US" b="1" dirty="0"/>
+                  </a:p>
+                </p:txBody>
+              </p:sp>
+              <p:sp>
+                <p:nvSpPr>
+                  <p:cNvPr id="141" name="평행 사변형[P] 140">
+                    <a:extLst>
+                      <a:ext uri="{FF2B5EF4-FFF2-40B4-BE49-F238E27FC236}">
+                        <a16:creationId xmlns:a16="http://schemas.microsoft.com/office/drawing/2014/main" id="{A8BEE384-D620-8D34-D195-0BDD410B5B1C}"/>
+                      </a:ext>
+                    </a:extLst>
+                  </p:cNvPr>
+                  <p:cNvSpPr/>
+                  <p:nvPr/>
+                </p:nvSpPr>
+                <p:spPr>
+                  <a:xfrm>
+                    <a:off x="5167262" y="3502325"/>
+                    <a:ext cx="448573" cy="802256"/>
+                  </a:xfrm>
+                  <a:prstGeom prst="parallelogram">
+                    <a:avLst>
+                      <a:gd name="adj" fmla="val 59615"/>
+                    </a:avLst>
+                  </a:prstGeom>
+                  <a:grpFill/>
+                  <a:ln>
+                    <a:noFill/>
+                  </a:ln>
+                </p:spPr>
+                <p:style>
+                  <a:lnRef idx="2">
+                    <a:schemeClr val="accent1">
+                      <a:shade val="50000"/>
+                    </a:schemeClr>
+                  </a:lnRef>
+                  <a:fillRef idx="1">
+                    <a:schemeClr val="accent1"/>
+                  </a:fillRef>
+                  <a:effectRef idx="0">
+                    <a:schemeClr val="accent1"/>
+                  </a:effectRef>
+                  <a:fontRef idx="minor">
+                    <a:schemeClr val="lt1"/>
+                  </a:fontRef>
+                </p:style>
+                <p:txBody>
+                  <a:bodyPr rtlCol="0" anchor="ctr"/>
+                  <a:lstStyle/>
+                  <a:p>
+                    <a:pPr algn="ctr"/>
+                    <a:endParaRPr kumimoji="1" lang="ko-Kore-US" altLang="en-US" b="1" dirty="0"/>
+                  </a:p>
+                </p:txBody>
+              </p:sp>
+              <p:sp>
+                <p:nvSpPr>
+                  <p:cNvPr id="142" name="평행 사변형[P] 141">
+                    <a:extLst>
+                      <a:ext uri="{FF2B5EF4-FFF2-40B4-BE49-F238E27FC236}">
+                        <a16:creationId xmlns:a16="http://schemas.microsoft.com/office/drawing/2014/main" id="{EC2A4733-865D-F97A-6593-2DCE8511177A}"/>
+                      </a:ext>
+                    </a:extLst>
+                  </p:cNvPr>
+                  <p:cNvSpPr/>
+                  <p:nvPr/>
+                </p:nvSpPr>
+                <p:spPr>
+                  <a:xfrm>
+                    <a:off x="4815746" y="3502325"/>
+                    <a:ext cx="448573" cy="802256"/>
+                  </a:xfrm>
+                  <a:prstGeom prst="parallelogram">
+                    <a:avLst>
+                      <a:gd name="adj" fmla="val 59615"/>
+                    </a:avLst>
+                  </a:prstGeom>
+                  <a:grpFill/>
+                  <a:ln>
+                    <a:noFill/>
+                  </a:ln>
+                </p:spPr>
+                <p:style>
+                  <a:lnRef idx="2">
+                    <a:schemeClr val="accent1">
+                      <a:shade val="50000"/>
+                    </a:schemeClr>
+                  </a:lnRef>
+                  <a:fillRef idx="1">
+                    <a:schemeClr val="accent1"/>
+                  </a:fillRef>
+                  <a:effectRef idx="0">
+                    <a:schemeClr val="accent1"/>
+                  </a:effectRef>
+                  <a:fontRef idx="minor">
+                    <a:schemeClr val="lt1"/>
+                  </a:fontRef>
+                </p:style>
+                <p:txBody>
+                  <a:bodyPr rtlCol="0" anchor="ctr"/>
+                  <a:lstStyle/>
+                  <a:p>
+                    <a:pPr algn="ctr"/>
+                    <a:endParaRPr kumimoji="1" lang="ko-Kore-US" altLang="en-US" b="1" dirty="0"/>
+                  </a:p>
+                </p:txBody>
+              </p:sp>
+              <p:sp>
+                <p:nvSpPr>
+                  <p:cNvPr id="143" name="평행 사변형[P] 142">
+                    <a:extLst>
+                      <a:ext uri="{FF2B5EF4-FFF2-40B4-BE49-F238E27FC236}">
+                        <a16:creationId xmlns:a16="http://schemas.microsoft.com/office/drawing/2014/main" id="{96F45FBD-EF99-2607-41A1-CC954F88137B}"/>
+                      </a:ext>
+                    </a:extLst>
+                  </p:cNvPr>
+                  <p:cNvSpPr/>
+                  <p:nvPr/>
+                </p:nvSpPr>
+                <p:spPr>
+                  <a:xfrm>
+                    <a:off x="4463191" y="3502325"/>
+                    <a:ext cx="448573" cy="802256"/>
+                  </a:xfrm>
+                  <a:prstGeom prst="parallelogram">
+                    <a:avLst>
+                      <a:gd name="adj" fmla="val 59615"/>
+                    </a:avLst>
+                  </a:prstGeom>
+                  <a:grpFill/>
+                  <a:ln>
+                    <a:noFill/>
+                  </a:ln>
+                </p:spPr>
+                <p:style>
+                  <a:lnRef idx="2">
+                    <a:schemeClr val="accent1">
+                      <a:shade val="50000"/>
+                    </a:schemeClr>
+                  </a:lnRef>
+                  <a:fillRef idx="1">
+                    <a:schemeClr val="accent1"/>
+                  </a:fillRef>
+                  <a:effectRef idx="0">
+                    <a:schemeClr val="accent1"/>
+                  </a:effectRef>
+                  <a:fontRef idx="minor">
+                    <a:schemeClr val="lt1"/>
+                  </a:fontRef>
+                </p:style>
+                <p:txBody>
+                  <a:bodyPr rtlCol="0" anchor="ctr"/>
+                  <a:lstStyle/>
+                  <a:p>
+                    <a:pPr algn="ctr"/>
+                    <a:endParaRPr kumimoji="1" lang="ko-Kore-US" altLang="en-US" b="1" dirty="0"/>
+                  </a:p>
+                </p:txBody>
+              </p:sp>
+              <p:sp>
+                <p:nvSpPr>
+                  <p:cNvPr id="144" name="평행 사변형[P] 143">
+                    <a:extLst>
+                      <a:ext uri="{FF2B5EF4-FFF2-40B4-BE49-F238E27FC236}">
+                        <a16:creationId xmlns:a16="http://schemas.microsoft.com/office/drawing/2014/main" id="{0D3CA52D-3580-D419-15C9-CA1B3EF17C9D}"/>
+                      </a:ext>
+                    </a:extLst>
+                  </p:cNvPr>
+                  <p:cNvSpPr/>
+                  <p:nvPr/>
+                </p:nvSpPr>
+                <p:spPr>
+                  <a:xfrm>
+                    <a:off x="4110636" y="3502325"/>
+                    <a:ext cx="448573" cy="802256"/>
+                  </a:xfrm>
+                  <a:prstGeom prst="parallelogram">
+                    <a:avLst>
+                      <a:gd name="adj" fmla="val 59615"/>
+                    </a:avLst>
+                  </a:prstGeom>
+                  <a:grpFill/>
+                  <a:ln>
+                    <a:noFill/>
+                  </a:ln>
+                </p:spPr>
+                <p:style>
+                  <a:lnRef idx="2">
+                    <a:schemeClr val="accent1">
+                      <a:shade val="50000"/>
+                    </a:schemeClr>
+                  </a:lnRef>
+                  <a:fillRef idx="1">
+                    <a:schemeClr val="accent1"/>
+                  </a:fillRef>
+                  <a:effectRef idx="0">
+                    <a:schemeClr val="accent1"/>
+                  </a:effectRef>
+                  <a:fontRef idx="minor">
+                    <a:schemeClr val="lt1"/>
+                  </a:fontRef>
+                </p:style>
+                <p:txBody>
+                  <a:bodyPr rtlCol="0" anchor="ctr"/>
+                  <a:lstStyle/>
+                  <a:p>
+                    <a:pPr algn="ctr"/>
+                    <a:endParaRPr kumimoji="1" lang="ko-Kore-US" altLang="en-US" b="1" dirty="0"/>
+                  </a:p>
+                </p:txBody>
+              </p:sp>
+              <p:sp>
+                <p:nvSpPr>
+                  <p:cNvPr id="145" name="평행 사변형[P] 144">
+                    <a:extLst>
+                      <a:ext uri="{FF2B5EF4-FFF2-40B4-BE49-F238E27FC236}">
+                        <a16:creationId xmlns:a16="http://schemas.microsoft.com/office/drawing/2014/main" id="{2B97D0C7-DE4A-658B-16BC-2EDFA1DE83BA}"/>
+                      </a:ext>
+                    </a:extLst>
+                  </p:cNvPr>
+                  <p:cNvSpPr/>
+                  <p:nvPr/>
+                </p:nvSpPr>
+                <p:spPr>
+                  <a:xfrm>
+                    <a:off x="3758081" y="3502325"/>
+                    <a:ext cx="448573" cy="802256"/>
+                  </a:xfrm>
+                  <a:prstGeom prst="parallelogram">
+                    <a:avLst>
+                      <a:gd name="adj" fmla="val 59615"/>
+                    </a:avLst>
+                  </a:prstGeom>
+                  <a:grpFill/>
+                  <a:ln>
+                    <a:noFill/>
+                  </a:ln>
+                </p:spPr>
+                <p:style>
+                  <a:lnRef idx="2">
+                    <a:schemeClr val="accent1">
+                      <a:shade val="50000"/>
+                    </a:schemeClr>
+                  </a:lnRef>
+                  <a:fillRef idx="1">
+                    <a:schemeClr val="accent1"/>
+                  </a:fillRef>
+                  <a:effectRef idx="0">
+                    <a:schemeClr val="accent1"/>
+                  </a:effectRef>
+                  <a:fontRef idx="minor">
+                    <a:schemeClr val="lt1"/>
+                  </a:fontRef>
+                </p:style>
+                <p:txBody>
+                  <a:bodyPr rtlCol="0" anchor="ctr"/>
+                  <a:lstStyle/>
+                  <a:p>
+                    <a:pPr algn="ctr"/>
+                    <a:endParaRPr kumimoji="1" lang="ko-Kore-US" altLang="en-US" b="1" dirty="0"/>
+                  </a:p>
+                </p:txBody>
+              </p:sp>
+              <p:sp>
+                <p:nvSpPr>
+                  <p:cNvPr id="146" name="평행 사변형[P] 145">
+                    <a:extLst>
+                      <a:ext uri="{FF2B5EF4-FFF2-40B4-BE49-F238E27FC236}">
+                        <a16:creationId xmlns:a16="http://schemas.microsoft.com/office/drawing/2014/main" id="{6191271E-A1E7-E401-38C0-14F446166CD3}"/>
+                      </a:ext>
+                    </a:extLst>
+                  </p:cNvPr>
+                  <p:cNvSpPr/>
+                  <p:nvPr/>
+                </p:nvSpPr>
+                <p:spPr>
+                  <a:xfrm>
+                    <a:off x="3405526" y="3502325"/>
+                    <a:ext cx="448573" cy="802256"/>
+                  </a:xfrm>
+                  <a:prstGeom prst="parallelogram">
+                    <a:avLst>
+                      <a:gd name="adj" fmla="val 59615"/>
+                    </a:avLst>
+                  </a:prstGeom>
+                  <a:grpFill/>
+                  <a:ln>
+                    <a:noFill/>
+                  </a:ln>
+                </p:spPr>
+                <p:style>
+                  <a:lnRef idx="2">
+                    <a:schemeClr val="accent1">
+                      <a:shade val="50000"/>
+                    </a:schemeClr>
+                  </a:lnRef>
+                  <a:fillRef idx="1">
+                    <a:schemeClr val="accent1"/>
+                  </a:fillRef>
+                  <a:effectRef idx="0">
+                    <a:schemeClr val="accent1"/>
+                  </a:effectRef>
+                  <a:fontRef idx="minor">
+                    <a:schemeClr val="lt1"/>
+                  </a:fontRef>
+                </p:style>
+                <p:txBody>
+                  <a:bodyPr rtlCol="0" anchor="ctr"/>
+                  <a:lstStyle/>
+                  <a:p>
+                    <a:pPr algn="ctr"/>
+                    <a:endParaRPr kumimoji="1" lang="ko-Kore-US" altLang="en-US" b="1" dirty="0"/>
+                  </a:p>
+                </p:txBody>
+              </p:sp>
+              <p:sp>
+                <p:nvSpPr>
+                  <p:cNvPr id="147" name="평행 사변형[P] 146">
+                    <a:extLst>
+                      <a:ext uri="{FF2B5EF4-FFF2-40B4-BE49-F238E27FC236}">
+                        <a16:creationId xmlns:a16="http://schemas.microsoft.com/office/drawing/2014/main" id="{C0744994-B166-093B-B773-8CAED77C11DD}"/>
+                      </a:ext>
+                    </a:extLst>
+                  </p:cNvPr>
+                  <p:cNvSpPr/>
+                  <p:nvPr/>
+                </p:nvSpPr>
+                <p:spPr>
+                  <a:xfrm>
+                    <a:off x="942674" y="3502325"/>
+                    <a:ext cx="448573" cy="802256"/>
+                  </a:xfrm>
+                  <a:prstGeom prst="parallelogram">
+                    <a:avLst>
+                      <a:gd name="adj" fmla="val 59615"/>
+                    </a:avLst>
+                  </a:prstGeom>
+                  <a:grpFill/>
+                  <a:ln>
+                    <a:noFill/>
+                  </a:ln>
+                </p:spPr>
+                <p:style>
+                  <a:lnRef idx="2">
+                    <a:schemeClr val="accent1">
+                      <a:shade val="50000"/>
+                    </a:schemeClr>
+                  </a:lnRef>
+                  <a:fillRef idx="1">
+                    <a:schemeClr val="accent1"/>
+                  </a:fillRef>
+                  <a:effectRef idx="0">
+                    <a:schemeClr val="accent1"/>
+                  </a:effectRef>
+                  <a:fontRef idx="minor">
+                    <a:schemeClr val="lt1"/>
+                  </a:fontRef>
+                </p:style>
+                <p:txBody>
+                  <a:bodyPr rtlCol="0" anchor="ctr"/>
+                  <a:lstStyle/>
+                  <a:p>
+                    <a:pPr algn="ctr"/>
+                    <a:endParaRPr kumimoji="1" lang="ko-Kore-US" altLang="en-US" b="1" dirty="0"/>
+                  </a:p>
+                </p:txBody>
+              </p:sp>
+              <p:sp>
+                <p:nvSpPr>
+                  <p:cNvPr id="148" name="평행 사변형[P] 147">
+                    <a:extLst>
+                      <a:ext uri="{FF2B5EF4-FFF2-40B4-BE49-F238E27FC236}">
+                        <a16:creationId xmlns:a16="http://schemas.microsoft.com/office/drawing/2014/main" id="{020D73FB-D633-1B4F-5123-DD1DAD712742}"/>
+                      </a:ext>
+                    </a:extLst>
+                  </p:cNvPr>
+                  <p:cNvSpPr/>
+                  <p:nvPr/>
+                </p:nvSpPr>
+                <p:spPr>
+                  <a:xfrm>
+                    <a:off x="4021442" y="2748634"/>
+                    <a:ext cx="2119956" cy="734281"/>
+                  </a:xfrm>
+                  <a:prstGeom prst="parallelogram">
+                    <a:avLst>
+                      <a:gd name="adj" fmla="val 260417"/>
+                    </a:avLst>
+                  </a:prstGeom>
+                  <a:grpFill/>
+                  <a:ln>
+                    <a:noFill/>
+                  </a:ln>
+                </p:spPr>
+                <p:style>
+                  <a:lnRef idx="2">
+                    <a:schemeClr val="accent1">
+                      <a:shade val="50000"/>
+                    </a:schemeClr>
+                  </a:lnRef>
+                  <a:fillRef idx="1">
+                    <a:schemeClr val="accent1"/>
+                  </a:fillRef>
+                  <a:effectRef idx="0">
+                    <a:schemeClr val="accent1"/>
+                  </a:effectRef>
+                  <a:fontRef idx="minor">
+                    <a:schemeClr val="lt1"/>
+                  </a:fontRef>
+                </p:style>
+                <p:txBody>
+                  <a:bodyPr rtlCol="0" anchor="ctr"/>
+                  <a:lstStyle/>
+                  <a:p>
+                    <a:pPr algn="ctr"/>
+                    <a:endParaRPr kumimoji="1" lang="ko-Kore-US" altLang="en-US" dirty="0"/>
+                  </a:p>
+                </p:txBody>
+              </p:sp>
+              <p:sp>
+                <p:nvSpPr>
+                  <p:cNvPr id="149" name="평행 사변형[P] 148">
+                    <a:extLst>
+                      <a:ext uri="{FF2B5EF4-FFF2-40B4-BE49-F238E27FC236}">
+                        <a16:creationId xmlns:a16="http://schemas.microsoft.com/office/drawing/2014/main" id="{84BA14AE-9017-5DD1-C03B-6FC265F11DEC}"/>
+                      </a:ext>
+                    </a:extLst>
+                  </p:cNvPr>
+                  <p:cNvSpPr/>
+                  <p:nvPr/>
+                </p:nvSpPr>
+                <p:spPr>
+                  <a:xfrm>
+                    <a:off x="2969649" y="2764765"/>
+                    <a:ext cx="2017345" cy="698740"/>
+                  </a:xfrm>
+                  <a:prstGeom prst="parallelogram">
+                    <a:avLst>
+                      <a:gd name="adj" fmla="val 260417"/>
+                    </a:avLst>
+                  </a:prstGeom>
+                  <a:grpFill/>
+                  <a:ln>
+                    <a:noFill/>
+                  </a:ln>
+                </p:spPr>
+                <p:style>
+                  <a:lnRef idx="2">
+                    <a:schemeClr val="accent1">
+                      <a:shade val="50000"/>
+                    </a:schemeClr>
+                  </a:lnRef>
+                  <a:fillRef idx="1">
+                    <a:schemeClr val="accent1"/>
+                  </a:fillRef>
+                  <a:effectRef idx="0">
+                    <a:schemeClr val="accent1"/>
+                  </a:effectRef>
+                  <a:fontRef idx="minor">
+                    <a:schemeClr val="lt1"/>
+                  </a:fontRef>
+                </p:style>
+                <p:txBody>
+                  <a:bodyPr rtlCol="0" anchor="ctr"/>
+                  <a:lstStyle/>
+                  <a:p>
+                    <a:pPr algn="ctr"/>
+                    <a:endParaRPr kumimoji="1" lang="ko-Kore-US" altLang="en-US" dirty="0"/>
+                  </a:p>
+                </p:txBody>
+              </p:sp>
+              <p:sp>
+                <p:nvSpPr>
+                  <p:cNvPr id="150" name="평행 사변형[P] 149">
+                    <a:extLst>
+                      <a:ext uri="{FF2B5EF4-FFF2-40B4-BE49-F238E27FC236}">
+                        <a16:creationId xmlns:a16="http://schemas.microsoft.com/office/drawing/2014/main" id="{B9654EB2-C6B8-994C-28D7-58C0EAC44E7B}"/>
+                      </a:ext>
+                    </a:extLst>
+                  </p:cNvPr>
+                  <p:cNvSpPr/>
+                  <p:nvPr/>
+                </p:nvSpPr>
+                <p:spPr>
+                  <a:xfrm>
+                    <a:off x="3321984" y="2784175"/>
+                    <a:ext cx="2017345" cy="698740"/>
+                  </a:xfrm>
+                  <a:prstGeom prst="parallelogram">
+                    <a:avLst>
+                      <a:gd name="adj" fmla="val 260417"/>
+                    </a:avLst>
+                  </a:prstGeom>
+                  <a:grpFill/>
+                  <a:ln>
+                    <a:noFill/>
+                  </a:ln>
+                </p:spPr>
+                <p:style>
+                  <a:lnRef idx="2">
+                    <a:schemeClr val="accent1">
+                      <a:shade val="50000"/>
+                    </a:schemeClr>
+                  </a:lnRef>
+                  <a:fillRef idx="1">
+                    <a:schemeClr val="accent1"/>
+                  </a:fillRef>
+                  <a:effectRef idx="0">
+                    <a:schemeClr val="accent1"/>
+                  </a:effectRef>
+                  <a:fontRef idx="minor">
+                    <a:schemeClr val="lt1"/>
+                  </a:fontRef>
+                </p:style>
+                <p:txBody>
+                  <a:bodyPr rtlCol="0" anchor="ctr"/>
+                  <a:lstStyle/>
+                  <a:p>
+                    <a:pPr algn="ctr"/>
+                    <a:endParaRPr kumimoji="1" lang="ko-Kore-US" altLang="en-US" b="1" dirty="0"/>
+                  </a:p>
+                </p:txBody>
+              </p:sp>
+              <p:sp>
+                <p:nvSpPr>
+                  <p:cNvPr id="151" name="평행 사변형[P] 150">
+                    <a:extLst>
+                      <a:ext uri="{FF2B5EF4-FFF2-40B4-BE49-F238E27FC236}">
+                        <a16:creationId xmlns:a16="http://schemas.microsoft.com/office/drawing/2014/main" id="{7460C64F-0BA7-DAFC-98D6-BE361FC69C28}"/>
+                      </a:ext>
+                    </a:extLst>
+                  </p:cNvPr>
+                  <p:cNvSpPr/>
+                  <p:nvPr/>
+                </p:nvSpPr>
+                <p:spPr>
+                  <a:xfrm>
+                    <a:off x="1210919" y="2774470"/>
+                    <a:ext cx="2017345" cy="698740"/>
+                  </a:xfrm>
+                  <a:prstGeom prst="parallelogram">
+                    <a:avLst>
+                      <a:gd name="adj" fmla="val 260417"/>
+                    </a:avLst>
+                  </a:prstGeom>
+                  <a:grpFill/>
+                  <a:ln>
+                    <a:noFill/>
+                  </a:ln>
+                </p:spPr>
+                <p:style>
+                  <a:lnRef idx="2">
+                    <a:schemeClr val="accent1">
+                      <a:shade val="50000"/>
+                    </a:schemeClr>
+                  </a:lnRef>
+                  <a:fillRef idx="1">
+                    <a:schemeClr val="accent1"/>
+                  </a:fillRef>
+                  <a:effectRef idx="0">
+                    <a:schemeClr val="accent1"/>
+                  </a:effectRef>
+                  <a:fontRef idx="minor">
+                    <a:schemeClr val="lt1"/>
+                  </a:fontRef>
+                </p:style>
+                <p:txBody>
+                  <a:bodyPr rtlCol="0" anchor="ctr"/>
+                  <a:lstStyle/>
+                  <a:p>
+                    <a:pPr algn="ctr"/>
+                    <a:endParaRPr kumimoji="1" lang="ko-Kore-US" altLang="en-US" dirty="0"/>
+                  </a:p>
+                </p:txBody>
+              </p:sp>
+              <p:sp>
+                <p:nvSpPr>
+                  <p:cNvPr id="152" name="평행 사변형[P] 151">
+                    <a:extLst>
+                      <a:ext uri="{FF2B5EF4-FFF2-40B4-BE49-F238E27FC236}">
+                        <a16:creationId xmlns:a16="http://schemas.microsoft.com/office/drawing/2014/main" id="{9AF77A49-07F8-F64C-888D-50D52D924959}"/>
+                      </a:ext>
+                    </a:extLst>
+                  </p:cNvPr>
+                  <p:cNvSpPr/>
+                  <p:nvPr/>
+                </p:nvSpPr>
+                <p:spPr>
+                  <a:xfrm>
+                    <a:off x="4373666" y="2688207"/>
+                    <a:ext cx="2316208" cy="802256"/>
+                  </a:xfrm>
+                  <a:prstGeom prst="parallelogram">
+                    <a:avLst>
+                      <a:gd name="adj" fmla="val 260417"/>
+                    </a:avLst>
+                  </a:prstGeom>
+                  <a:grpFill/>
+                  <a:ln>
+                    <a:noFill/>
+                  </a:ln>
+                </p:spPr>
+                <p:style>
+                  <a:lnRef idx="2">
+                    <a:schemeClr val="accent1">
+                      <a:shade val="50000"/>
+                    </a:schemeClr>
+                  </a:lnRef>
+                  <a:fillRef idx="1">
+                    <a:schemeClr val="accent1"/>
+                  </a:fillRef>
+                  <a:effectRef idx="0">
+                    <a:schemeClr val="accent1"/>
+                  </a:effectRef>
+                  <a:fontRef idx="minor">
+                    <a:schemeClr val="lt1"/>
+                  </a:fontRef>
+                </p:style>
+                <p:txBody>
+                  <a:bodyPr rtlCol="0" anchor="ctr"/>
+                  <a:lstStyle/>
+                  <a:p>
+                    <a:pPr algn="ctr"/>
+                    <a:endParaRPr kumimoji="1" lang="ko-Kore-US" altLang="en-US" dirty="0"/>
+                  </a:p>
+                </p:txBody>
+              </p:sp>
+              <p:sp>
+                <p:nvSpPr>
+                  <p:cNvPr id="153" name="평행 사변형[P] 152">
+                    <a:extLst>
+                      <a:ext uri="{FF2B5EF4-FFF2-40B4-BE49-F238E27FC236}">
+                        <a16:creationId xmlns:a16="http://schemas.microsoft.com/office/drawing/2014/main" id="{AC20C600-3F8E-1359-2A7F-E627810EEBFC}"/>
+                      </a:ext>
+                    </a:extLst>
+                  </p:cNvPr>
+                  <p:cNvSpPr/>
+                  <p:nvPr/>
+                </p:nvSpPr>
+                <p:spPr>
+                  <a:xfrm>
+                    <a:off x="4736469" y="2702408"/>
+                    <a:ext cx="2275207" cy="788055"/>
+                  </a:xfrm>
+                  <a:prstGeom prst="parallelogram">
+                    <a:avLst>
+                      <a:gd name="adj" fmla="val 260417"/>
+                    </a:avLst>
+                  </a:prstGeom>
+                  <a:grpFill/>
+                  <a:ln>
+                    <a:noFill/>
+                  </a:ln>
+                </p:spPr>
+                <p:style>
+                  <a:lnRef idx="2">
+                    <a:schemeClr val="accent1">
+                      <a:shade val="50000"/>
+                    </a:schemeClr>
+                  </a:lnRef>
+                  <a:fillRef idx="1">
+                    <a:schemeClr val="accent1"/>
+                  </a:fillRef>
+                  <a:effectRef idx="0">
+                    <a:schemeClr val="accent1"/>
+                  </a:effectRef>
+                  <a:fontRef idx="minor">
+                    <a:schemeClr val="lt1"/>
+                  </a:fontRef>
+                </p:style>
+                <p:txBody>
+                  <a:bodyPr rtlCol="0" anchor="ctr"/>
+                  <a:lstStyle/>
+                  <a:p>
+                    <a:pPr algn="ctr"/>
+                    <a:endParaRPr kumimoji="1" lang="ko-Kore-US" altLang="en-US" dirty="0"/>
+                  </a:p>
+                </p:txBody>
+              </p:sp>
+              <p:sp>
+                <p:nvSpPr>
+                  <p:cNvPr id="154" name="평행 사변형[P] 153">
+                    <a:extLst>
+                      <a:ext uri="{FF2B5EF4-FFF2-40B4-BE49-F238E27FC236}">
+                        <a16:creationId xmlns:a16="http://schemas.microsoft.com/office/drawing/2014/main" id="{63638C89-41AA-AB4C-37F8-4B1626FFABE1}"/>
+                      </a:ext>
+                    </a:extLst>
+                  </p:cNvPr>
+                  <p:cNvSpPr/>
+                  <p:nvPr/>
+                </p:nvSpPr>
+                <p:spPr>
+                  <a:xfrm>
+                    <a:off x="3644147" y="2688207"/>
+                    <a:ext cx="2322435" cy="804413"/>
+                  </a:xfrm>
+                  <a:prstGeom prst="parallelogram">
+                    <a:avLst>
+                      <a:gd name="adj" fmla="val 260417"/>
+                    </a:avLst>
+                  </a:prstGeom>
+                  <a:grpFill/>
+                  <a:ln>
+                    <a:noFill/>
+                  </a:ln>
+                </p:spPr>
+                <p:style>
+                  <a:lnRef idx="2">
+                    <a:schemeClr val="accent1">
+                      <a:shade val="50000"/>
+                    </a:schemeClr>
+                  </a:lnRef>
+                  <a:fillRef idx="1">
+                    <a:schemeClr val="accent1"/>
+                  </a:fillRef>
+                  <a:effectRef idx="0">
+                    <a:schemeClr val="accent1"/>
+                  </a:effectRef>
+                  <a:fontRef idx="minor">
+                    <a:schemeClr val="lt1"/>
+                  </a:fontRef>
+                </p:style>
+                <p:txBody>
+                  <a:bodyPr rtlCol="0" anchor="ctr"/>
+                  <a:lstStyle/>
+                  <a:p>
+                    <a:pPr algn="ctr"/>
+                    <a:endParaRPr kumimoji="1" lang="ko-Kore-US" altLang="en-US" dirty="0"/>
+                  </a:p>
+                </p:txBody>
+              </p:sp>
+              <p:sp>
+                <p:nvSpPr>
+                  <p:cNvPr id="155" name="평행 사변형[P] 154">
+                    <a:extLst>
+                      <a:ext uri="{FF2B5EF4-FFF2-40B4-BE49-F238E27FC236}">
+                        <a16:creationId xmlns:a16="http://schemas.microsoft.com/office/drawing/2014/main" id="{8656A7CF-CB62-F45F-B1F5-39D38955069F}"/>
+                      </a:ext>
+                    </a:extLst>
+                  </p:cNvPr>
+                  <p:cNvSpPr/>
+                  <p:nvPr/>
+                </p:nvSpPr>
+                <p:spPr>
+                  <a:xfrm>
+                    <a:off x="2608227" y="2774470"/>
+                    <a:ext cx="2017345" cy="698740"/>
+                  </a:xfrm>
+                  <a:prstGeom prst="parallelogram">
+                    <a:avLst>
+                      <a:gd name="adj" fmla="val 260417"/>
+                    </a:avLst>
+                  </a:prstGeom>
+                  <a:grpFill/>
+                  <a:ln>
+                    <a:noFill/>
+                  </a:ln>
+                </p:spPr>
+                <p:style>
+                  <a:lnRef idx="2">
+                    <a:schemeClr val="accent1">
+                      <a:shade val="50000"/>
+                    </a:schemeClr>
+                  </a:lnRef>
+                  <a:fillRef idx="1">
+                    <a:schemeClr val="accent1"/>
+                  </a:fillRef>
+                  <a:effectRef idx="0">
+                    <a:schemeClr val="accent1"/>
+                  </a:effectRef>
+                  <a:fontRef idx="minor">
+                    <a:schemeClr val="lt1"/>
+                  </a:fontRef>
+                </p:style>
+                <p:txBody>
+                  <a:bodyPr rtlCol="0" anchor="ctr"/>
+                  <a:lstStyle/>
+                  <a:p>
+                    <a:pPr algn="ctr"/>
+                    <a:endParaRPr kumimoji="1" lang="ko-Kore-US" altLang="en-US" dirty="0"/>
+                  </a:p>
+                </p:txBody>
+              </p:sp>
+              <p:sp>
+                <p:nvSpPr>
+                  <p:cNvPr id="156" name="평행 사변형[P] 155">
+                    <a:extLst>
+                      <a:ext uri="{FF2B5EF4-FFF2-40B4-BE49-F238E27FC236}">
+                        <a16:creationId xmlns:a16="http://schemas.microsoft.com/office/drawing/2014/main" id="{2C17D5E6-F529-C6EC-913B-A56D516E5047}"/>
+                      </a:ext>
+                    </a:extLst>
+                  </p:cNvPr>
+                  <p:cNvSpPr/>
+                  <p:nvPr/>
+                </p:nvSpPr>
+                <p:spPr>
+                  <a:xfrm>
+                    <a:off x="2259012" y="2772314"/>
+                    <a:ext cx="2017345" cy="698740"/>
+                  </a:xfrm>
+                  <a:prstGeom prst="parallelogram">
+                    <a:avLst>
+                      <a:gd name="adj" fmla="val 260417"/>
+                    </a:avLst>
+                  </a:prstGeom>
+                  <a:grpFill/>
+                  <a:ln>
+                    <a:noFill/>
+                  </a:ln>
+                </p:spPr>
+                <p:style>
+                  <a:lnRef idx="2">
+                    <a:schemeClr val="accent1">
+                      <a:shade val="50000"/>
+                    </a:schemeClr>
+                  </a:lnRef>
+                  <a:fillRef idx="1">
+                    <a:schemeClr val="accent1"/>
+                  </a:fillRef>
+                  <a:effectRef idx="0">
+                    <a:schemeClr val="accent1"/>
+                  </a:effectRef>
+                  <a:fontRef idx="minor">
+                    <a:schemeClr val="lt1"/>
+                  </a:fontRef>
+                </p:style>
+                <p:txBody>
+                  <a:bodyPr rtlCol="0" anchor="ctr"/>
+                  <a:lstStyle/>
+                  <a:p>
+                    <a:pPr algn="ctr"/>
+                    <a:endParaRPr kumimoji="1" lang="ko-Kore-US" altLang="en-US" dirty="0"/>
+                  </a:p>
+                </p:txBody>
+              </p:sp>
+              <p:sp>
+                <p:nvSpPr>
+                  <p:cNvPr id="157" name="평행 사변형[P] 156">
+                    <a:extLst>
+                      <a:ext uri="{FF2B5EF4-FFF2-40B4-BE49-F238E27FC236}">
+                        <a16:creationId xmlns:a16="http://schemas.microsoft.com/office/drawing/2014/main" id="{F93E7C86-3ECA-BF03-2A9E-091EF07D9906}"/>
+                      </a:ext>
+                    </a:extLst>
+                  </p:cNvPr>
+                  <p:cNvSpPr/>
+                  <p:nvPr/>
+                </p:nvSpPr>
+                <p:spPr>
+                  <a:xfrm>
+                    <a:off x="1925337" y="2776627"/>
+                    <a:ext cx="2017345" cy="698740"/>
+                  </a:xfrm>
+                  <a:prstGeom prst="parallelogram">
+                    <a:avLst>
+                      <a:gd name="adj" fmla="val 260417"/>
+                    </a:avLst>
+                  </a:prstGeom>
+                  <a:grpFill/>
+                  <a:ln>
+                    <a:noFill/>
+                  </a:ln>
+                </p:spPr>
+                <p:style>
+                  <a:lnRef idx="2">
+                    <a:schemeClr val="accent1">
+                      <a:shade val="50000"/>
+                    </a:schemeClr>
+                  </a:lnRef>
+                  <a:fillRef idx="1">
+                    <a:schemeClr val="accent1"/>
+                  </a:fillRef>
+                  <a:effectRef idx="0">
+                    <a:schemeClr val="accent1"/>
+                  </a:effectRef>
+                  <a:fontRef idx="minor">
+                    <a:schemeClr val="lt1"/>
+                  </a:fontRef>
+                </p:style>
+                <p:txBody>
+                  <a:bodyPr rtlCol="0" anchor="ctr"/>
+                  <a:lstStyle/>
+                  <a:p>
+                    <a:pPr algn="ctr"/>
+                    <a:endParaRPr kumimoji="1" lang="ko-Kore-US" altLang="en-US" dirty="0"/>
+                  </a:p>
+                </p:txBody>
+              </p:sp>
+              <p:sp>
+                <p:nvSpPr>
+                  <p:cNvPr id="158" name="평행 사변형[P] 157">
+                    <a:extLst>
+                      <a:ext uri="{FF2B5EF4-FFF2-40B4-BE49-F238E27FC236}">
+                        <a16:creationId xmlns:a16="http://schemas.microsoft.com/office/drawing/2014/main" id="{0008228D-3769-4D40-DE8F-228BB29A0F4E}"/>
+                      </a:ext>
+                    </a:extLst>
+                  </p:cNvPr>
+                  <p:cNvSpPr/>
+                  <p:nvPr/>
+                </p:nvSpPr>
+                <p:spPr>
+                  <a:xfrm>
+                    <a:off x="1594320" y="2774470"/>
+                    <a:ext cx="2017345" cy="698740"/>
+                  </a:xfrm>
+                  <a:prstGeom prst="parallelogram">
+                    <a:avLst>
+                      <a:gd name="adj" fmla="val 260417"/>
+                    </a:avLst>
+                  </a:prstGeom>
+                  <a:grpFill/>
+                  <a:ln>
+                    <a:noFill/>
+                  </a:ln>
+                </p:spPr>
+                <p:style>
+                  <a:lnRef idx="2">
+                    <a:schemeClr val="accent1">
+                      <a:shade val="50000"/>
+                    </a:schemeClr>
+                  </a:lnRef>
+                  <a:fillRef idx="1">
+                    <a:schemeClr val="accent1"/>
+                  </a:fillRef>
+                  <a:effectRef idx="0">
+                    <a:schemeClr val="accent1"/>
+                  </a:effectRef>
+                  <a:fontRef idx="minor">
+                    <a:schemeClr val="lt1"/>
+                  </a:fontRef>
+                </p:style>
+                <p:txBody>
+                  <a:bodyPr rtlCol="0" anchor="ctr"/>
+                  <a:lstStyle/>
+                  <a:p>
+                    <a:pPr algn="ctr"/>
+                    <a:endParaRPr kumimoji="1" lang="ko-Kore-US" altLang="en-US" dirty="0"/>
+                  </a:p>
+                </p:txBody>
+              </p:sp>
+              <p:sp>
+                <p:nvSpPr>
+                  <p:cNvPr id="159" name="평행 사변형[P] 158">
+                    <a:extLst>
+                      <a:ext uri="{FF2B5EF4-FFF2-40B4-BE49-F238E27FC236}">
+                        <a16:creationId xmlns:a16="http://schemas.microsoft.com/office/drawing/2014/main" id="{22BF3AA3-5B5E-B821-0D21-70BE700D150B}"/>
+                      </a:ext>
+                    </a:extLst>
+                  </p:cNvPr>
+                  <p:cNvSpPr/>
+                  <p:nvPr/>
+                </p:nvSpPr>
+                <p:spPr>
+                  <a:xfrm>
+                    <a:off x="5076932" y="2714580"/>
+                    <a:ext cx="2260302" cy="782892"/>
+                  </a:xfrm>
+                  <a:prstGeom prst="parallelogram">
+                    <a:avLst>
+                      <a:gd name="adj" fmla="val 260417"/>
+                    </a:avLst>
+                  </a:prstGeom>
+                  <a:grpFill/>
+                  <a:ln>
+                    <a:noFill/>
+                  </a:ln>
+                </p:spPr>
+                <p:style>
+                  <a:lnRef idx="2">
+                    <a:schemeClr val="accent1">
+                      <a:shade val="50000"/>
+                    </a:schemeClr>
+                  </a:lnRef>
+                  <a:fillRef idx="1">
+                    <a:schemeClr val="accent1"/>
+                  </a:fillRef>
+                  <a:effectRef idx="0">
+                    <a:schemeClr val="accent1"/>
+                  </a:effectRef>
+                  <a:fontRef idx="minor">
+                    <a:schemeClr val="lt1"/>
+                  </a:fontRef>
+                </p:style>
+                <p:txBody>
+                  <a:bodyPr rtlCol="0" anchor="ctr"/>
+                  <a:lstStyle/>
+                  <a:p>
+                    <a:pPr algn="ctr"/>
+                    <a:endParaRPr kumimoji="1" lang="ko-Kore-US" altLang="en-US" dirty="0"/>
+                  </a:p>
+                </p:txBody>
+              </p:sp>
+              <p:sp>
+                <p:nvSpPr>
+                  <p:cNvPr id="160" name="평행 사변형[P] 159">
+                    <a:extLst>
+                      <a:ext uri="{FF2B5EF4-FFF2-40B4-BE49-F238E27FC236}">
+                        <a16:creationId xmlns:a16="http://schemas.microsoft.com/office/drawing/2014/main" id="{85F58078-3273-1E21-BC0D-8B11C7690113}"/>
+                      </a:ext>
+                    </a:extLst>
+                  </p:cNvPr>
+                  <p:cNvSpPr/>
+                  <p:nvPr/>
+                </p:nvSpPr>
+                <p:spPr>
+                  <a:xfrm>
+                    <a:off x="5436511" y="2729796"/>
+                    <a:ext cx="2209366" cy="765249"/>
+                  </a:xfrm>
+                  <a:prstGeom prst="parallelogram">
+                    <a:avLst>
+                      <a:gd name="adj" fmla="val 260417"/>
+                    </a:avLst>
+                  </a:prstGeom>
+                  <a:grpFill/>
+                  <a:ln>
+                    <a:noFill/>
+                  </a:ln>
+                </p:spPr>
+                <p:style>
+                  <a:lnRef idx="2">
+                    <a:schemeClr val="accent1">
+                      <a:shade val="50000"/>
+                    </a:schemeClr>
+                  </a:lnRef>
+                  <a:fillRef idx="1">
+                    <a:schemeClr val="accent1"/>
+                  </a:fillRef>
+                  <a:effectRef idx="0">
+                    <a:schemeClr val="accent1"/>
+                  </a:effectRef>
+                  <a:fontRef idx="minor">
+                    <a:schemeClr val="lt1"/>
+                  </a:fontRef>
+                </p:style>
+                <p:txBody>
+                  <a:bodyPr rtlCol="0" anchor="ctr"/>
+                  <a:lstStyle/>
+                  <a:p>
+                    <a:pPr algn="ctr"/>
+                    <a:endParaRPr kumimoji="1" lang="ko-Kore-US" altLang="en-US" dirty="0"/>
+                  </a:p>
+                </p:txBody>
+              </p:sp>
+              <p:sp>
+                <p:nvSpPr>
+                  <p:cNvPr id="161" name="평행 사변형[P] 160">
+                    <a:extLst>
+                      <a:ext uri="{FF2B5EF4-FFF2-40B4-BE49-F238E27FC236}">
+                        <a16:creationId xmlns:a16="http://schemas.microsoft.com/office/drawing/2014/main" id="{A4A38425-81B2-3D70-5530-EF611DE7E768}"/>
+                      </a:ext>
+                    </a:extLst>
+                  </p:cNvPr>
+                  <p:cNvSpPr/>
+                  <p:nvPr/>
+                </p:nvSpPr>
+                <p:spPr>
+                  <a:xfrm>
+                    <a:off x="5799552" y="2772738"/>
+                    <a:ext cx="2113155" cy="731925"/>
+                  </a:xfrm>
+                  <a:prstGeom prst="parallelogram">
+                    <a:avLst>
+                      <a:gd name="adj" fmla="val 260417"/>
+                    </a:avLst>
+                  </a:prstGeom>
+                  <a:grpFill/>
+                  <a:ln>
+                    <a:noFill/>
+                  </a:ln>
+                </p:spPr>
+                <p:style>
+                  <a:lnRef idx="2">
+                    <a:schemeClr val="accent1">
+                      <a:shade val="50000"/>
+                    </a:schemeClr>
+                  </a:lnRef>
+                  <a:fillRef idx="1">
+                    <a:schemeClr val="accent1"/>
+                  </a:fillRef>
+                  <a:effectRef idx="0">
+                    <a:schemeClr val="accent1"/>
+                  </a:effectRef>
+                  <a:fontRef idx="minor">
+                    <a:schemeClr val="lt1"/>
+                  </a:fontRef>
+                </p:style>
+                <p:txBody>
+                  <a:bodyPr rtlCol="0" anchor="ctr"/>
+                  <a:lstStyle/>
+                  <a:p>
+                    <a:pPr algn="ctr"/>
+                    <a:endParaRPr kumimoji="1" lang="ko-Kore-US" altLang="en-US" dirty="0"/>
+                  </a:p>
+                </p:txBody>
+              </p:sp>
+              <p:sp>
+                <p:nvSpPr>
+                  <p:cNvPr id="162" name="평행 사변형[P] 161">
+                    <a:extLst>
+                      <a:ext uri="{FF2B5EF4-FFF2-40B4-BE49-F238E27FC236}">
+                        <a16:creationId xmlns:a16="http://schemas.microsoft.com/office/drawing/2014/main" id="{3A3D7C8B-C1BE-8DDD-072B-5770BC5593DA}"/>
+                      </a:ext>
+                    </a:extLst>
+                  </p:cNvPr>
+                  <p:cNvSpPr/>
+                  <p:nvPr/>
+                </p:nvSpPr>
+                <p:spPr>
+                  <a:xfrm>
+                    <a:off x="6125877" y="2818536"/>
+                    <a:ext cx="1970548" cy="682531"/>
+                  </a:xfrm>
+                  <a:prstGeom prst="parallelogram">
+                    <a:avLst>
+                      <a:gd name="adj" fmla="val 260417"/>
+                    </a:avLst>
+                  </a:prstGeom>
+                  <a:grpFill/>
+                  <a:ln>
+                    <a:noFill/>
+                  </a:ln>
+                </p:spPr>
+                <p:style>
+                  <a:lnRef idx="2">
+                    <a:schemeClr val="accent1">
+                      <a:shade val="50000"/>
+                    </a:schemeClr>
+                  </a:lnRef>
+                  <a:fillRef idx="1">
+                    <a:schemeClr val="accent1"/>
+                  </a:fillRef>
+                  <a:effectRef idx="0">
+                    <a:schemeClr val="accent1"/>
+                  </a:effectRef>
+                  <a:fontRef idx="minor">
+                    <a:schemeClr val="lt1"/>
+                  </a:fontRef>
+                </p:style>
+                <p:txBody>
+                  <a:bodyPr rtlCol="0" anchor="ctr"/>
+                  <a:lstStyle/>
+                  <a:p>
+                    <a:pPr algn="ctr"/>
+                    <a:endParaRPr kumimoji="1" lang="ko-Kore-US" altLang="en-US" dirty="0"/>
+                  </a:p>
+                </p:txBody>
+              </p:sp>
+              <p:sp>
+                <p:nvSpPr>
+                  <p:cNvPr id="163" name="평행 사변형[P] 162">
+                    <a:extLst>
+                      <a:ext uri="{FF2B5EF4-FFF2-40B4-BE49-F238E27FC236}">
+                        <a16:creationId xmlns:a16="http://schemas.microsoft.com/office/drawing/2014/main" id="{A6265C0F-82F9-CF6D-81A4-B8C86C655E85}"/>
+                      </a:ext>
+                    </a:extLst>
+                  </p:cNvPr>
+                  <p:cNvSpPr/>
+                  <p:nvPr/>
+                </p:nvSpPr>
+                <p:spPr>
+                  <a:xfrm>
+                    <a:off x="6502117" y="3159801"/>
+                    <a:ext cx="1000060" cy="346387"/>
+                  </a:xfrm>
+                  <a:prstGeom prst="parallelogram">
+                    <a:avLst>
+                      <a:gd name="adj" fmla="val 230532"/>
+                    </a:avLst>
+                  </a:prstGeom>
+                  <a:grpFill/>
+                  <a:ln>
+                    <a:noFill/>
+                  </a:ln>
+                </p:spPr>
+                <p:style>
+                  <a:lnRef idx="2">
+                    <a:schemeClr val="accent1">
+                      <a:shade val="50000"/>
+                    </a:schemeClr>
+                  </a:lnRef>
+                  <a:fillRef idx="1">
+                    <a:schemeClr val="accent1"/>
+                  </a:fillRef>
+                  <a:effectRef idx="0">
+                    <a:schemeClr val="accent1"/>
+                  </a:effectRef>
+                  <a:fontRef idx="minor">
+                    <a:schemeClr val="lt1"/>
+                  </a:fontRef>
+                </p:style>
+                <p:txBody>
+                  <a:bodyPr rtlCol="0" anchor="ctr"/>
+                  <a:lstStyle/>
+                  <a:p>
+                    <a:pPr algn="ctr"/>
+                    <a:endParaRPr kumimoji="1" lang="ko-Kore-US" altLang="en-US" dirty="0"/>
+                  </a:p>
+                </p:txBody>
+              </p:sp>
+            </p:grpSp>
+          </p:grpSp>
+          <p:sp>
+            <p:nvSpPr>
+              <p:cNvPr id="120" name="타원 119">
+                <a:extLst>
+                  <a:ext uri="{FF2B5EF4-FFF2-40B4-BE49-F238E27FC236}">
+                    <a16:creationId xmlns:a16="http://schemas.microsoft.com/office/drawing/2014/main" id="{4B4F0AB1-E5E3-6924-C672-CA135E2DB771}"/>
+                  </a:ext>
+                </a:extLst>
+              </p:cNvPr>
+              <p:cNvSpPr/>
+              <p:nvPr/>
+            </p:nvSpPr>
+            <p:spPr>
+              <a:xfrm>
+                <a:off x="4255155" y="2016856"/>
+                <a:ext cx="1041889" cy="1041889"/>
+              </a:xfrm>
+              <a:prstGeom prst="ellipse">
+                <a:avLst/>
+              </a:prstGeom>
+              <a:solidFill>
+                <a:schemeClr val="bg1"/>
+              </a:solidFill>
+              <a:ln w="76200">
+                <a:noFill/>
+              </a:ln>
+            </p:spPr>
+            <p:style>
+              <a:lnRef idx="2">
+                <a:schemeClr val="accent1">
+                  <a:shade val="50000"/>
+                </a:schemeClr>
+              </a:lnRef>
+              <a:fillRef idx="1">
+                <a:schemeClr val="accent1"/>
+              </a:fillRef>
+              <a:effectRef idx="0">
+                <a:schemeClr val="accent1"/>
+              </a:effectRef>
+              <a:fontRef idx="minor">
+                <a:schemeClr val="lt1"/>
+              </a:fontRef>
+            </p:style>
+            <p:txBody>
+              <a:bodyPr rtlCol="0" anchor="ctr"/>
+              <a:lstStyle/>
+              <a:p>
+                <a:pPr algn="ctr"/>
+                <a:endParaRPr kumimoji="1" lang="ko-Kore-US" altLang="en-US"/>
+              </a:p>
+            </p:txBody>
+          </p:sp>
+          <p:pic>
+            <p:nvPicPr>
+              <p:cNvPr id="121" name="그림 120">
+                <a:extLst>
+                  <a:ext uri="{FF2B5EF4-FFF2-40B4-BE49-F238E27FC236}">
+                    <a16:creationId xmlns:a16="http://schemas.microsoft.com/office/drawing/2014/main" id="{0C92A928-CB6A-14C5-D4FB-6A2EEA32B8A8}"/>
+                  </a:ext>
+                </a:extLst>
+              </p:cNvPr>
+              <p:cNvPicPr>
+                <a:picLocks noChangeAspect="1"/>
+              </p:cNvPicPr>
+              <p:nvPr/>
+            </p:nvPicPr>
+            <p:blipFill rotWithShape="1">
+              <a:blip r:embed="rId3"/>
+              <a:srcRect l="24604"/>
+              <a:stretch/>
+            </p:blipFill>
+            <p:spPr>
+              <a:xfrm rot="5400000">
+                <a:off x="4204414" y="1878493"/>
+                <a:ext cx="895900" cy="1188261"/>
+              </a:xfrm>
+              <a:prstGeom prst="rect">
+                <a:avLst/>
+              </a:prstGeom>
+            </p:spPr>
+          </p:pic>
+          <p:sp>
+            <p:nvSpPr>
+              <p:cNvPr id="122" name="타원 121">
+                <a:extLst>
+                  <a:ext uri="{FF2B5EF4-FFF2-40B4-BE49-F238E27FC236}">
+                    <a16:creationId xmlns:a16="http://schemas.microsoft.com/office/drawing/2014/main" id="{19F2D277-48AC-3E88-D3C0-A725E1950394}"/>
+                  </a:ext>
+                </a:extLst>
+              </p:cNvPr>
+              <p:cNvSpPr/>
+              <p:nvPr/>
+            </p:nvSpPr>
+            <p:spPr>
+              <a:xfrm>
+                <a:off x="7636592" y="2609987"/>
+                <a:ext cx="1041889" cy="1041889"/>
+              </a:xfrm>
+              <a:prstGeom prst="ellipse">
+                <a:avLst/>
+              </a:prstGeom>
+              <a:solidFill>
+                <a:schemeClr val="bg1"/>
+              </a:solidFill>
+              <a:ln w="28575">
+                <a:solidFill>
+                  <a:srgbClr val="000000"/>
+                </a:solidFill>
+              </a:ln>
+            </p:spPr>
+            <p:style>
+              <a:lnRef idx="2">
+                <a:schemeClr val="accent1">
+                  <a:shade val="50000"/>
+                </a:schemeClr>
+              </a:lnRef>
+              <a:fillRef idx="1">
+                <a:schemeClr val="accent1"/>
+              </a:fillRef>
+              <a:effectRef idx="0">
+                <a:schemeClr val="accent1"/>
+              </a:effectRef>
+              <a:fontRef idx="minor">
+                <a:schemeClr val="lt1"/>
+              </a:fontRef>
+            </p:style>
+            <p:txBody>
+              <a:bodyPr rtlCol="0" anchor="ctr"/>
+              <a:lstStyle/>
+              <a:p>
+                <a:pPr algn="ctr"/>
+                <a:endParaRPr kumimoji="1" lang="ko-Kore-US" altLang="en-US"/>
+              </a:p>
+            </p:txBody>
+          </p:sp>
+          <p:pic>
+            <p:nvPicPr>
+              <p:cNvPr id="123" name="그림 122">
+                <a:extLst>
+                  <a:ext uri="{FF2B5EF4-FFF2-40B4-BE49-F238E27FC236}">
+                    <a16:creationId xmlns:a16="http://schemas.microsoft.com/office/drawing/2014/main" id="{5681E506-0799-73EC-AED2-303B336626D4}"/>
+                  </a:ext>
+                </a:extLst>
+              </p:cNvPr>
+              <p:cNvPicPr>
+                <a:picLocks noChangeAspect="1"/>
+              </p:cNvPicPr>
+              <p:nvPr/>
+            </p:nvPicPr>
+            <p:blipFill>
+              <a:blip r:embed="rId4"/>
+              <a:stretch>
+                <a:fillRect/>
+              </a:stretch>
+            </p:blipFill>
+            <p:spPr>
+              <a:xfrm>
+                <a:off x="7627559" y="2690804"/>
+                <a:ext cx="1041890" cy="1041890"/>
+              </a:xfrm>
+              <a:prstGeom prst="rect">
+                <a:avLst/>
+              </a:prstGeom>
+            </p:spPr>
+          </p:pic>
+          <p:sp>
+            <p:nvSpPr>
+              <p:cNvPr id="124" name="타원 123">
+                <a:extLst>
+                  <a:ext uri="{FF2B5EF4-FFF2-40B4-BE49-F238E27FC236}">
+                    <a16:creationId xmlns:a16="http://schemas.microsoft.com/office/drawing/2014/main" id="{693F7E27-EC4F-CACB-984F-F028A8DA39B9}"/>
+                  </a:ext>
+                </a:extLst>
+              </p:cNvPr>
+              <p:cNvSpPr/>
+              <p:nvPr/>
+            </p:nvSpPr>
+            <p:spPr>
+              <a:xfrm>
+                <a:off x="3194154" y="2795216"/>
+                <a:ext cx="1041889" cy="1041889"/>
+              </a:xfrm>
+              <a:prstGeom prst="ellipse">
+                <a:avLst/>
+              </a:prstGeom>
+              <a:solidFill>
+                <a:schemeClr val="bg1"/>
+              </a:solidFill>
+              <a:ln w="76200">
+                <a:noFill/>
+              </a:ln>
+            </p:spPr>
+            <p:style>
+              <a:lnRef idx="2">
+                <a:schemeClr val="accent1">
+                  <a:shade val="50000"/>
+                </a:schemeClr>
+              </a:lnRef>
+              <a:fillRef idx="1">
+                <a:schemeClr val="accent1"/>
+              </a:fillRef>
+              <a:effectRef idx="0">
+                <a:schemeClr val="accent1"/>
+              </a:effectRef>
+              <a:fontRef idx="minor">
+                <a:schemeClr val="lt1"/>
+              </a:fontRef>
+            </p:style>
+            <p:txBody>
+              <a:bodyPr rtlCol="0" anchor="ctr"/>
+              <a:lstStyle/>
+              <a:p>
+                <a:pPr algn="ctr"/>
+                <a:endParaRPr kumimoji="1" lang="ko-Kore-US" altLang="en-US"/>
+              </a:p>
+            </p:txBody>
+          </p:sp>
+          <p:pic>
+            <p:nvPicPr>
+              <p:cNvPr id="125" name="그래픽 124" descr="폭포 장면 단색으로 채워진">
+                <a:extLst>
+                  <a:ext uri="{FF2B5EF4-FFF2-40B4-BE49-F238E27FC236}">
+                    <a16:creationId xmlns:a16="http://schemas.microsoft.com/office/drawing/2014/main" id="{FD81A877-3F0A-290D-78FD-3ACA4CB915A5}"/>
+                  </a:ext>
+                </a:extLst>
+              </p:cNvPr>
+              <p:cNvPicPr>
+                <a:picLocks noChangeAspect="1"/>
+              </p:cNvPicPr>
+              <p:nvPr/>
+            </p:nvPicPr>
+            <p:blipFill rotWithShape="1">
+              <a:blip r:embed="rId5">
+                <a:extLst>
+                  <a:ext uri="{96DAC541-7B7A-43D3-8B79-37D633B846F1}">
+                    <asvg:svgBlip xmlns:asvg="http://schemas.microsoft.com/office/drawing/2016/SVG/main" r:embed="rId6"/>
+                  </a:ext>
+                </a:extLst>
+              </a:blip>
+              <a:srcRect t="71677"/>
+              <a:stretch/>
+            </p:blipFill>
+            <p:spPr>
+              <a:xfrm>
+                <a:off x="4350450" y="2814348"/>
+                <a:ext cx="842070" cy="238497"/>
+              </a:xfrm>
+              <a:prstGeom prst="rect">
+                <a:avLst/>
+              </a:prstGeom>
+            </p:spPr>
+          </p:pic>
+          <p:pic>
+            <p:nvPicPr>
+              <p:cNvPr id="126" name="그래픽 125" descr="폭포 장면 단색으로 채워진">
+                <a:extLst>
+                  <a:ext uri="{FF2B5EF4-FFF2-40B4-BE49-F238E27FC236}">
+                    <a16:creationId xmlns:a16="http://schemas.microsoft.com/office/drawing/2014/main" id="{BB95DCD9-2F26-36F1-1161-2D1407D078F7}"/>
+                  </a:ext>
+                </a:extLst>
+              </p:cNvPr>
+              <p:cNvPicPr>
+                <a:picLocks noChangeAspect="1"/>
+              </p:cNvPicPr>
+              <p:nvPr/>
+            </p:nvPicPr>
+            <p:blipFill rotWithShape="1">
+              <a:blip r:embed="rId5">
+                <a:extLst>
+                  <a:ext uri="{96DAC541-7B7A-43D3-8B79-37D633B846F1}">
+                    <asvg:svgBlip xmlns:asvg="http://schemas.microsoft.com/office/drawing/2016/SVG/main" r:embed="rId6"/>
+                  </a:ext>
+                </a:extLst>
+              </a:blip>
+              <a:srcRect t="71677"/>
+              <a:stretch/>
+            </p:blipFill>
+            <p:spPr>
+              <a:xfrm>
+                <a:off x="3109812" y="3148244"/>
+                <a:ext cx="1196271" cy="338816"/>
+              </a:xfrm>
+              <a:prstGeom prst="rect">
+                <a:avLst/>
+              </a:prstGeom>
+            </p:spPr>
+          </p:pic>
+          <p:pic>
+            <p:nvPicPr>
+              <p:cNvPr id="127" name="그림 126">
+                <a:extLst>
+                  <a:ext uri="{FF2B5EF4-FFF2-40B4-BE49-F238E27FC236}">
+                    <a16:creationId xmlns:a16="http://schemas.microsoft.com/office/drawing/2014/main" id="{CF1648D7-0F14-00F5-8243-DE765934CC0F}"/>
+                  </a:ext>
+                </a:extLst>
+              </p:cNvPr>
+              <p:cNvPicPr>
+                <a:picLocks noChangeAspect="1"/>
+              </p:cNvPicPr>
+              <p:nvPr/>
+            </p:nvPicPr>
+            <p:blipFill rotWithShape="1">
+              <a:blip r:embed="rId7"/>
+              <a:srcRect l="7748" t="4465" r="33139" b="24581"/>
+              <a:stretch/>
+            </p:blipFill>
+            <p:spPr>
+              <a:xfrm rot="17555169">
+                <a:off x="3424022" y="2834090"/>
+                <a:ext cx="632803" cy="759571"/>
+              </a:xfrm>
+              <a:prstGeom prst="rect">
+                <a:avLst/>
+              </a:prstGeom>
+              <a:ln>
+                <a:noFill/>
+              </a:ln>
+            </p:spPr>
+          </p:pic>
+          <p:sp>
+            <p:nvSpPr>
+              <p:cNvPr id="128" name="타원 127">
+                <a:extLst>
+                  <a:ext uri="{FF2B5EF4-FFF2-40B4-BE49-F238E27FC236}">
+                    <a16:creationId xmlns:a16="http://schemas.microsoft.com/office/drawing/2014/main" id="{BBB80C45-D066-ED09-A094-1FA2BCDD3549}"/>
+                  </a:ext>
+                </a:extLst>
+              </p:cNvPr>
+              <p:cNvSpPr/>
+              <p:nvPr/>
+            </p:nvSpPr>
+            <p:spPr>
+              <a:xfrm>
+                <a:off x="3216870" y="2798732"/>
+                <a:ext cx="1041889" cy="1041889"/>
+              </a:xfrm>
+              <a:prstGeom prst="ellipse">
+                <a:avLst/>
+              </a:prstGeom>
+              <a:noFill/>
+              <a:ln w="28575">
+                <a:solidFill>
+                  <a:srgbClr val="000000"/>
+                </a:solidFill>
+              </a:ln>
+            </p:spPr>
+            <p:style>
+              <a:lnRef idx="2">
+                <a:schemeClr val="accent1">
+                  <a:shade val="50000"/>
+                </a:schemeClr>
+              </a:lnRef>
+              <a:fillRef idx="1">
+                <a:schemeClr val="accent1"/>
+              </a:fillRef>
+              <a:effectRef idx="0">
+                <a:schemeClr val="accent1"/>
+              </a:effectRef>
+              <a:fontRef idx="minor">
+                <a:schemeClr val="lt1"/>
+              </a:fontRef>
+            </p:style>
+            <p:txBody>
+              <a:bodyPr rtlCol="0" anchor="ctr"/>
+              <a:lstStyle/>
+              <a:p>
+                <a:pPr algn="ctr"/>
+                <a:endParaRPr kumimoji="1" lang="ko-Kore-US" altLang="en-US"/>
+              </a:p>
+            </p:txBody>
+          </p:sp>
+          <p:sp>
+            <p:nvSpPr>
+              <p:cNvPr id="129" name="타원 128">
+                <a:extLst>
+                  <a:ext uri="{FF2B5EF4-FFF2-40B4-BE49-F238E27FC236}">
+                    <a16:creationId xmlns:a16="http://schemas.microsoft.com/office/drawing/2014/main" id="{BD146CB0-B66A-DAF4-2C54-16ABE608C3B6}"/>
+                  </a:ext>
+                </a:extLst>
+              </p:cNvPr>
+              <p:cNvSpPr/>
+              <p:nvPr/>
+            </p:nvSpPr>
+            <p:spPr>
+              <a:xfrm>
+                <a:off x="4241237" y="2021589"/>
+                <a:ext cx="1041889" cy="1041889"/>
+              </a:xfrm>
+              <a:prstGeom prst="ellipse">
+                <a:avLst/>
+              </a:prstGeom>
+              <a:noFill/>
+              <a:ln w="28575">
+                <a:solidFill>
+                  <a:srgbClr val="000000"/>
+                </a:solidFill>
+              </a:ln>
+            </p:spPr>
+            <p:style>
+              <a:lnRef idx="2">
+                <a:schemeClr val="accent1">
+                  <a:shade val="50000"/>
+                </a:schemeClr>
+              </a:lnRef>
+              <a:fillRef idx="1">
+                <a:schemeClr val="accent1"/>
+              </a:fillRef>
+              <a:effectRef idx="0">
+                <a:schemeClr val="accent1"/>
+              </a:effectRef>
+              <a:fontRef idx="minor">
+                <a:schemeClr val="lt1"/>
+              </a:fontRef>
+            </p:style>
+            <p:txBody>
+              <a:bodyPr rtlCol="0" anchor="ctr"/>
+              <a:lstStyle/>
+              <a:p>
+                <a:pPr algn="ctr"/>
+                <a:endParaRPr kumimoji="1" lang="ko-Kore-US" altLang="en-US"/>
+              </a:p>
+            </p:txBody>
+          </p:sp>
+        </p:grpSp>
+        <p:cxnSp>
+          <p:nvCxnSpPr>
+            <p:cNvPr id="112" name="꺾인 연결선[E] 111">
+              <a:extLst>
+                <a:ext uri="{FF2B5EF4-FFF2-40B4-BE49-F238E27FC236}">
+                  <a16:creationId xmlns:a16="http://schemas.microsoft.com/office/drawing/2014/main" id="{3746B485-A3EE-AEF6-A721-EB6D45A89488}"/>
+                </a:ext>
+              </a:extLst>
+            </p:cNvPr>
+            <p:cNvCxnSpPr>
+              <a:cxnSpLocks/>
+              <a:stCxn id="128" idx="0"/>
+              <a:endCxn id="118" idx="1"/>
+            </p:cNvCxnSpPr>
+            <p:nvPr/>
+          </p:nvCxnSpPr>
+          <p:spPr>
+            <a:xfrm rot="5400000" flipH="1" flipV="1">
+              <a:off x="3392425" y="2372531"/>
+              <a:ext cx="1858521" cy="960704"/>
+            </a:xfrm>
+            <a:prstGeom prst="bentConnector2">
+              <a:avLst/>
+            </a:prstGeom>
+            <a:ln w="28575">
+              <a:solidFill>
+                <a:schemeClr val="tx1"/>
+              </a:solidFill>
+              <a:prstDash val="sysDot"/>
+              <a:headEnd type="none" w="med" len="med"/>
+              <a:tailEnd type="arrow" w="med" len="med"/>
+            </a:ln>
+          </p:spPr>
+          <p:style>
+            <a:lnRef idx="1">
+              <a:schemeClr val="accent1"/>
+            </a:lnRef>
+            <a:fillRef idx="0">
+              <a:schemeClr val="accent1"/>
+            </a:fillRef>
+            <a:effectRef idx="0">
+              <a:schemeClr val="accent1"/>
+            </a:effectRef>
+            <a:fontRef idx="minor">
+              <a:schemeClr val="tx1"/>
+            </a:fontRef>
+          </p:style>
+        </p:cxnSp>
+        <p:cxnSp>
+          <p:nvCxnSpPr>
+            <p:cNvPr id="113" name="꺾인 연결선[E] 112">
+              <a:extLst>
+                <a:ext uri="{FF2B5EF4-FFF2-40B4-BE49-F238E27FC236}">
+                  <a16:creationId xmlns:a16="http://schemas.microsoft.com/office/drawing/2014/main" id="{64A08D62-F501-C772-1A0F-5B3070091455}"/>
+                </a:ext>
+              </a:extLst>
+            </p:cNvPr>
+            <p:cNvCxnSpPr>
+              <a:cxnSpLocks/>
+              <a:stCxn id="118" idx="3"/>
+              <a:endCxn id="122" idx="0"/>
+            </p:cNvCxnSpPr>
+            <p:nvPr/>
+          </p:nvCxnSpPr>
+          <p:spPr>
+            <a:xfrm>
+              <a:off x="7389963" y="1923622"/>
+              <a:ext cx="871092" cy="1669776"/>
+            </a:xfrm>
+            <a:prstGeom prst="bentConnector2">
+              <a:avLst/>
+            </a:prstGeom>
+            <a:ln w="28575">
+              <a:solidFill>
+                <a:schemeClr val="tx1"/>
+              </a:solidFill>
+              <a:prstDash val="sysDot"/>
+              <a:headEnd type="none" w="med" len="med"/>
+              <a:tailEnd type="arrow" w="med" len="med"/>
+            </a:ln>
+          </p:spPr>
+          <p:style>
+            <a:lnRef idx="1">
+              <a:schemeClr val="accent1"/>
+            </a:lnRef>
+            <a:fillRef idx="0">
+              <a:schemeClr val="accent1"/>
+            </a:fillRef>
+            <a:effectRef idx="0">
+              <a:schemeClr val="accent1"/>
+            </a:effectRef>
+            <a:fontRef idx="minor">
+              <a:schemeClr val="tx1"/>
+            </a:fontRef>
+          </p:style>
+        </p:cxnSp>
+        <p:cxnSp>
+          <p:nvCxnSpPr>
+            <p:cNvPr id="114" name="직선 연결선[R] 113">
+              <a:extLst>
+                <a:ext uri="{FF2B5EF4-FFF2-40B4-BE49-F238E27FC236}">
+                  <a16:creationId xmlns:a16="http://schemas.microsoft.com/office/drawing/2014/main" id="{5F65C56B-EF6B-BE50-9615-CB1CD1A58DE8}"/>
+                </a:ext>
+              </a:extLst>
+            </p:cNvPr>
+            <p:cNvCxnSpPr>
+              <a:cxnSpLocks/>
+              <a:endCxn id="129" idx="0"/>
+            </p:cNvCxnSpPr>
+            <p:nvPr/>
+          </p:nvCxnSpPr>
+          <p:spPr>
+            <a:xfrm>
+              <a:off x="3862148" y="2585268"/>
+              <a:ext cx="1003552" cy="419732"/>
+            </a:xfrm>
+            <a:prstGeom prst="line">
+              <a:avLst/>
+            </a:prstGeom>
+            <a:ln w="28575">
+              <a:solidFill>
+                <a:schemeClr val="tx1"/>
+              </a:solidFill>
+              <a:prstDash val="sysDot"/>
+            </a:ln>
+          </p:spPr>
+          <p:style>
+            <a:lnRef idx="1">
+              <a:schemeClr val="accent1"/>
+            </a:lnRef>
+            <a:fillRef idx="0">
+              <a:schemeClr val="accent1"/>
+            </a:fillRef>
+            <a:effectRef idx="0">
+              <a:schemeClr val="accent1"/>
+            </a:effectRef>
+            <a:fontRef idx="minor">
+              <a:schemeClr val="tx1"/>
+            </a:fontRef>
+          </p:style>
+        </p:cxnSp>
+        <p:sp>
+          <p:nvSpPr>
+            <p:cNvPr id="115" name="타원 114">
+              <a:extLst>
+                <a:ext uri="{FF2B5EF4-FFF2-40B4-BE49-F238E27FC236}">
+                  <a16:creationId xmlns:a16="http://schemas.microsoft.com/office/drawing/2014/main" id="{974360F3-DD8C-D797-D6BE-2FF1EF45559C}"/>
+                </a:ext>
+              </a:extLst>
+            </p:cNvPr>
+            <p:cNvSpPr/>
+            <p:nvPr/>
+          </p:nvSpPr>
+          <p:spPr>
+            <a:xfrm>
+              <a:off x="2494271" y="1924923"/>
+              <a:ext cx="1041889" cy="1041889"/>
+            </a:xfrm>
+            <a:prstGeom prst="ellipse">
+              <a:avLst/>
+            </a:prstGeom>
+            <a:solidFill>
+              <a:schemeClr val="bg1"/>
+            </a:solidFill>
+            <a:ln w="28575">
+              <a:solidFill>
+                <a:srgbClr val="000000"/>
+              </a:solidFill>
+            </a:ln>
+          </p:spPr>
+          <p:style>
+            <a:lnRef idx="2">
+              <a:schemeClr val="accent1">
+                <a:shade val="50000"/>
+              </a:schemeClr>
+            </a:lnRef>
+            <a:fillRef idx="1">
+              <a:schemeClr val="accent1"/>
+            </a:fillRef>
+            <a:effectRef idx="0">
+              <a:schemeClr val="accent1"/>
+            </a:effectRef>
+            <a:fontRef idx="minor">
+              <a:schemeClr val="lt1"/>
+            </a:fontRef>
+          </p:style>
+          <p:txBody>
+            <a:bodyPr rtlCol="0" anchor="ctr"/>
+            <a:lstStyle/>
+            <a:p>
+              <a:pPr algn="ctr"/>
+              <a:endParaRPr kumimoji="1" lang="ko-Kore-US" altLang="en-US"/>
+            </a:p>
+          </p:txBody>
+        </p:sp>
+        <p:pic>
+          <p:nvPicPr>
+            <p:cNvPr id="116" name="그래픽 115" descr="비 단색으로 채워진">
+              <a:extLst>
+                <a:ext uri="{FF2B5EF4-FFF2-40B4-BE49-F238E27FC236}">
+                  <a16:creationId xmlns:a16="http://schemas.microsoft.com/office/drawing/2014/main" id="{CF63B7FE-7BF2-7522-A5A3-5C6B420D6576}"/>
+                </a:ext>
+              </a:extLst>
+            </p:cNvPr>
+            <p:cNvPicPr>
+              <a:picLocks noChangeAspect="1"/>
+            </p:cNvPicPr>
+            <p:nvPr/>
+          </p:nvPicPr>
+          <p:blipFill>
+            <a:blip r:embed="rId8">
+              <a:extLst>
+                <a:ext uri="{96DAC541-7B7A-43D3-8B79-37D633B846F1}">
+                  <asvg:svgBlip xmlns:asvg="http://schemas.microsoft.com/office/drawing/2016/SVG/main" r:embed="rId9"/>
+                </a:ext>
+              </a:extLst>
+            </a:blip>
+            <a:stretch>
+              <a:fillRect/>
+            </a:stretch>
+          </p:blipFill>
+          <p:spPr>
+            <a:xfrm>
+              <a:off x="2552493" y="1988667"/>
+              <a:ext cx="914400" cy="914400"/>
+            </a:xfrm>
+            <a:prstGeom prst="rect">
+              <a:avLst/>
+            </a:prstGeom>
+          </p:spPr>
+        </p:pic>
+        <p:cxnSp>
+          <p:nvCxnSpPr>
+            <p:cNvPr id="117" name="직선 연결선[R] 116">
+              <a:extLst>
+                <a:ext uri="{FF2B5EF4-FFF2-40B4-BE49-F238E27FC236}">
+                  <a16:creationId xmlns:a16="http://schemas.microsoft.com/office/drawing/2014/main" id="{426CBC12-4695-FDDA-E8C5-79986A2F131B}"/>
+                </a:ext>
+              </a:extLst>
+            </p:cNvPr>
+            <p:cNvCxnSpPr>
+              <a:cxnSpLocks/>
+            </p:cNvCxnSpPr>
+            <p:nvPr/>
+          </p:nvCxnSpPr>
+          <p:spPr>
+            <a:xfrm flipH="1">
+              <a:off x="3536160" y="2081467"/>
+              <a:ext cx="282456" cy="338083"/>
+            </a:xfrm>
+            <a:prstGeom prst="line">
+              <a:avLst/>
+            </a:prstGeom>
+            <a:ln w="28575">
+              <a:solidFill>
+                <a:schemeClr val="tx1"/>
+              </a:solidFill>
+              <a:prstDash val="sysDot"/>
+            </a:ln>
+          </p:spPr>
+          <p:style>
+            <a:lnRef idx="1">
+              <a:schemeClr val="accent1"/>
+            </a:lnRef>
+            <a:fillRef idx="0">
+              <a:schemeClr val="accent1"/>
+            </a:fillRef>
+            <a:effectRef idx="0">
+              <a:schemeClr val="accent1"/>
+            </a:effectRef>
+            <a:fontRef idx="minor">
+              <a:schemeClr val="tx1"/>
+            </a:fontRef>
+          </p:style>
+        </p:cxnSp>
+        <p:pic>
+          <p:nvPicPr>
+            <p:cNvPr id="118" name="그림 117">
+              <a:extLst>
+                <a:ext uri="{FF2B5EF4-FFF2-40B4-BE49-F238E27FC236}">
+                  <a16:creationId xmlns:a16="http://schemas.microsoft.com/office/drawing/2014/main" id="{5E3174FF-3E7E-AA9A-759B-2B9C6DFB1F38}"/>
+                </a:ext>
+              </a:extLst>
+            </p:cNvPr>
+            <p:cNvPicPr>
+              <a:picLocks noChangeAspect="1"/>
+            </p:cNvPicPr>
+            <p:nvPr/>
+          </p:nvPicPr>
+          <p:blipFill>
+            <a:blip r:embed="rId10"/>
+            <a:stretch>
+              <a:fillRect/>
+            </a:stretch>
+          </p:blipFill>
+          <p:spPr>
+            <a:xfrm>
+              <a:off x="4802037" y="1489646"/>
+              <a:ext cx="2587926" cy="867952"/>
+            </a:xfrm>
+            <a:prstGeom prst="rect">
+              <a:avLst/>
+            </a:prstGeom>
+          </p:spPr>
+        </p:pic>
+      </p:grpSp>
+    </p:spTree>
+    <p:extLst>
+      <p:ext uri="{BB962C8B-B14F-4D97-AF65-F5344CB8AC3E}">
+        <p14:creationId xmlns:p14="http://schemas.microsoft.com/office/powerpoint/2010/main" val="1967553447"/>
+      </p:ext>
+    </p:extLst>
+  </p:cSld>
+  <p:clrMapOvr>
+    <a:masterClrMapping/>
+  </p:clrMapOvr>
+</p:sld>
+</file>
+
 <file path=ppt/theme/theme1.xml><?xml version="1.0" encoding="utf-8"?>
 <a:theme xmlns:a="http://schemas.openxmlformats.org/drawingml/2006/main" name="Office 테마">
   <a:themeElements>
